--- a/docs/songs_2022-10-30.pptx
+++ b/docs/songs_2022-10-30.pptx
@@ -5,7 +5,7 @@
     <p:sldMasterId id="2147483648" r:id="rId1"/>
   </p:sldMasterIdLst>
   <p:notesMasterIdLst>
-    <p:notesMasterId r:id="rId36"/>
+    <p:notesMasterId r:id="rId39"/>
   </p:notesMasterIdLst>
   <p:sldIdLst>
     <p:sldId id="459" r:id="rId2"/>
@@ -29,19 +29,22 @@
     <p:sldId id="546" r:id="rId20"/>
     <p:sldId id="547" r:id="rId21"/>
     <p:sldId id="548" r:id="rId22"/>
-    <p:sldId id="608" r:id="rId23"/>
-    <p:sldId id="719" r:id="rId24"/>
-    <p:sldId id="720" r:id="rId25"/>
-    <p:sldId id="721" r:id="rId26"/>
-    <p:sldId id="722" r:id="rId27"/>
-    <p:sldId id="724" r:id="rId28"/>
-    <p:sldId id="723" r:id="rId29"/>
-    <p:sldId id="718" r:id="rId30"/>
-    <p:sldId id="520" r:id="rId31"/>
-    <p:sldId id="717" r:id="rId32"/>
-    <p:sldId id="716" r:id="rId33"/>
-    <p:sldId id="605" r:id="rId34"/>
-    <p:sldId id="540" r:id="rId35"/>
+    <p:sldId id="716" r:id="rId23"/>
+    <p:sldId id="605" r:id="rId24"/>
+    <p:sldId id="540" r:id="rId25"/>
+    <p:sldId id="727" r:id="rId26"/>
+    <p:sldId id="726" r:id="rId27"/>
+    <p:sldId id="718" r:id="rId28"/>
+    <p:sldId id="520" r:id="rId29"/>
+    <p:sldId id="717" r:id="rId30"/>
+    <p:sldId id="725" r:id="rId31"/>
+    <p:sldId id="608" r:id="rId32"/>
+    <p:sldId id="719" r:id="rId33"/>
+    <p:sldId id="720" r:id="rId34"/>
+    <p:sldId id="721" r:id="rId35"/>
+    <p:sldId id="722" r:id="rId36"/>
+    <p:sldId id="724" r:id="rId37"/>
+    <p:sldId id="723" r:id="rId38"/>
   </p:sldIdLst>
   <p:sldSz cx="9144000" cy="6858000" type="screen4x3"/>
   <p:notesSz cx="6858000" cy="9144000"/>
@@ -241,7 +244,7 @@
           <a:p>
             <a:fld id="{C57EAEFC-A9C7-464E-BE3F-33D4DD72E122}" type="datetimeFigureOut">
               <a:rPr lang="en-GB" smtClean="0"/>
-              <a:t>24/10/2022</a:t>
+              <a:t>29/10/2022</a:t>
             </a:fld>
             <a:endParaRPr lang="en-GB"/>
           </a:p>
@@ -691,7 +694,7 @@
             <a:fld id="{26EA1CF3-4A15-4CBF-9A5A-6A56C368BE71}" type="datetimeFigureOut">
               <a:rPr lang="en-GB" smtClean="0"/>
               <a:pPr/>
-              <a:t>24/10/2022</a:t>
+              <a:t>29/10/2022</a:t>
             </a:fld>
             <a:endParaRPr lang="en-GB"/>
           </a:p>
@@ -858,7 +861,7 @@
             <a:fld id="{26EA1CF3-4A15-4CBF-9A5A-6A56C368BE71}" type="datetimeFigureOut">
               <a:rPr lang="en-GB" smtClean="0"/>
               <a:pPr/>
-              <a:t>24/10/2022</a:t>
+              <a:t>29/10/2022</a:t>
             </a:fld>
             <a:endParaRPr lang="en-GB"/>
           </a:p>
@@ -1035,7 +1038,7 @@
             <a:fld id="{26EA1CF3-4A15-4CBF-9A5A-6A56C368BE71}" type="datetimeFigureOut">
               <a:rPr lang="en-GB" smtClean="0"/>
               <a:pPr/>
-              <a:t>24/10/2022</a:t>
+              <a:t>29/10/2022</a:t>
             </a:fld>
             <a:endParaRPr lang="en-GB"/>
           </a:p>
@@ -1202,7 +1205,7 @@
             <a:fld id="{26EA1CF3-4A15-4CBF-9A5A-6A56C368BE71}" type="datetimeFigureOut">
               <a:rPr lang="en-GB" smtClean="0"/>
               <a:pPr/>
-              <a:t>24/10/2022</a:t>
+              <a:t>29/10/2022</a:t>
             </a:fld>
             <a:endParaRPr lang="en-GB"/>
           </a:p>
@@ -1445,7 +1448,7 @@
             <a:fld id="{26EA1CF3-4A15-4CBF-9A5A-6A56C368BE71}" type="datetimeFigureOut">
               <a:rPr lang="en-GB" smtClean="0"/>
               <a:pPr/>
-              <a:t>24/10/2022</a:t>
+              <a:t>29/10/2022</a:t>
             </a:fld>
             <a:endParaRPr lang="en-GB"/>
           </a:p>
@@ -1730,7 +1733,7 @@
             <a:fld id="{26EA1CF3-4A15-4CBF-9A5A-6A56C368BE71}" type="datetimeFigureOut">
               <a:rPr lang="en-GB" smtClean="0"/>
               <a:pPr/>
-              <a:t>24/10/2022</a:t>
+              <a:t>29/10/2022</a:t>
             </a:fld>
             <a:endParaRPr lang="en-GB"/>
           </a:p>
@@ -2149,7 +2152,7 @@
             <a:fld id="{26EA1CF3-4A15-4CBF-9A5A-6A56C368BE71}" type="datetimeFigureOut">
               <a:rPr lang="en-GB" smtClean="0"/>
               <a:pPr/>
-              <a:t>24/10/2022</a:t>
+              <a:t>29/10/2022</a:t>
             </a:fld>
             <a:endParaRPr lang="en-GB"/>
           </a:p>
@@ -2264,7 +2267,7 @@
             <a:fld id="{26EA1CF3-4A15-4CBF-9A5A-6A56C368BE71}" type="datetimeFigureOut">
               <a:rPr lang="en-GB" smtClean="0"/>
               <a:pPr/>
-              <a:t>24/10/2022</a:t>
+              <a:t>29/10/2022</a:t>
             </a:fld>
             <a:endParaRPr lang="en-GB"/>
           </a:p>
@@ -2356,7 +2359,7 @@
             <a:fld id="{26EA1CF3-4A15-4CBF-9A5A-6A56C368BE71}" type="datetimeFigureOut">
               <a:rPr lang="en-GB" smtClean="0"/>
               <a:pPr/>
-              <a:t>24/10/2022</a:t>
+              <a:t>29/10/2022</a:t>
             </a:fld>
             <a:endParaRPr lang="en-GB"/>
           </a:p>
@@ -2630,7 +2633,7 @@
             <a:fld id="{26EA1CF3-4A15-4CBF-9A5A-6A56C368BE71}" type="datetimeFigureOut">
               <a:rPr lang="en-GB" smtClean="0"/>
               <a:pPr/>
-              <a:t>24/10/2022</a:t>
+              <a:t>29/10/2022</a:t>
             </a:fld>
             <a:endParaRPr lang="en-GB"/>
           </a:p>
@@ -2880,7 +2883,7 @@
             <a:fld id="{26EA1CF3-4A15-4CBF-9A5A-6A56C368BE71}" type="datetimeFigureOut">
               <a:rPr lang="en-GB" smtClean="0"/>
               <a:pPr/>
-              <a:t>24/10/2022</a:t>
+              <a:t>29/10/2022</a:t>
             </a:fld>
             <a:endParaRPr lang="en-GB"/>
           </a:p>
@@ -3093,7 +3096,7 @@
             <a:fld id="{26EA1CF3-4A15-4CBF-9A5A-6A56C368BE71}" type="datetimeFigureOut">
               <a:rPr lang="en-GB" smtClean="0"/>
               <a:pPr/>
-              <a:t>24/10/2022</a:t>
+              <a:t>29/10/2022</a:t>
             </a:fld>
             <a:endParaRPr lang="en-GB"/>
           </a:p>
@@ -5692,1615 +5695,6 @@
 <file path=ppt/slides/slide22.xml><?xml version="1.0" encoding="utf-8"?>
 <p:sld xmlns:a="http://schemas.openxmlformats.org/drawingml/2006/main" xmlns:r="http://schemas.openxmlformats.org/officeDocument/2006/relationships" xmlns:p="http://schemas.openxmlformats.org/presentationml/2006/main">
   <p:cSld>
-    <p:spTree>
-      <p:nvGrpSpPr>
-        <p:cNvPr id="1" name=""/>
-        <p:cNvGrpSpPr/>
-        <p:nvPr/>
-      </p:nvGrpSpPr>
-      <p:grpSpPr>
-        <a:xfrm>
-          <a:off x="0" y="0"/>
-          <a:ext cx="0" cy="0"/>
-          <a:chOff x="0" y="0"/>
-          <a:chExt cx="0" cy="0"/>
-        </a:xfrm>
-      </p:grpSpPr>
-      <p:sp>
-        <p:nvSpPr>
-          <p:cNvPr id="3" name="Subtitle 2"/>
-          <p:cNvSpPr>
-            <a:spLocks noGrp="1"/>
-          </p:cNvSpPr>
-          <p:nvPr>
-            <p:ph type="subTitle" idx="1"/>
-          </p:nvPr>
-        </p:nvSpPr>
-        <p:spPr>
-          <a:xfrm>
-            <a:off x="323528" y="188640"/>
-            <a:ext cx="8640960" cy="6480720"/>
-          </a:xfrm>
-        </p:spPr>
-        <p:txBody>
-          <a:bodyPr>
-            <a:noAutofit/>
-          </a:bodyPr>
-          <a:lstStyle/>
-          <a:p>
-            <a:endParaRPr lang="en-GB" sz="5400" dirty="0">
-              <a:solidFill>
-                <a:schemeClr val="bg1"/>
-              </a:solidFill>
-            </a:endParaRPr>
-          </a:p>
-          <a:p>
-            <a:r>
-              <a:rPr lang="en-GB" sz="6600" b="0" i="0" dirty="0">
-                <a:solidFill>
-                  <a:srgbClr val="00A3E0"/>
-                </a:solidFill>
-                <a:effectLst/>
-                <a:latin typeface="akagi_probook"/>
-              </a:rPr>
-              <a:t>I Love You Lord</a:t>
-            </a:r>
-            <a:br>
-              <a:rPr lang="en-GB" sz="6600" b="0" i="0" dirty="0">
-                <a:solidFill>
-                  <a:srgbClr val="00A3E0"/>
-                </a:solidFill>
-                <a:effectLst/>
-                <a:latin typeface="akagi_probook"/>
-              </a:rPr>
-            </a:br>
-            <a:r>
-              <a:rPr lang="en-GB" sz="6600" b="0" i="0" dirty="0">
-                <a:solidFill>
-                  <a:srgbClr val="00A3E0"/>
-                </a:solidFill>
-                <a:effectLst/>
-                <a:latin typeface="akagi_probook"/>
-              </a:rPr>
-              <a:t>(To My King)</a:t>
-            </a:r>
-          </a:p>
-          <a:p>
-            <a:br>
-              <a:rPr lang="en-GB" sz="1200" dirty="0">
-                <a:solidFill>
-                  <a:schemeClr val="bg1"/>
-                </a:solidFill>
-              </a:rPr>
-            </a:br>
-            <a:r>
-              <a:rPr lang="en-GB" sz="1200" dirty="0" err="1">
-                <a:solidFill>
-                  <a:schemeClr val="bg1"/>
-                </a:solidFill>
-              </a:rPr>
-              <a:t>Gatherhouse</a:t>
-            </a:r>
-            <a:r>
-              <a:rPr lang="en-GB" sz="1200" dirty="0">
-                <a:solidFill>
-                  <a:schemeClr val="bg1"/>
-                </a:solidFill>
-              </a:rPr>
-              <a:t> Music, Ryan Kennedy, </a:t>
-            </a:r>
-            <a:r>
-              <a:rPr lang="en-GB" sz="1200" dirty="0" err="1">
-                <a:solidFill>
-                  <a:schemeClr val="bg1"/>
-                </a:solidFill>
-              </a:rPr>
-              <a:t>Durell</a:t>
-            </a:r>
-            <a:r>
-              <a:rPr lang="en-GB" sz="1200" dirty="0">
-                <a:solidFill>
-                  <a:schemeClr val="bg1"/>
-                </a:solidFill>
-              </a:rPr>
-              <a:t> Comedy</a:t>
-            </a:r>
-          </a:p>
-        </p:txBody>
-      </p:sp>
-    </p:spTree>
-    <p:extLst>
-      <p:ext uri="{BB962C8B-B14F-4D97-AF65-F5344CB8AC3E}">
-        <p14:creationId xmlns:p14="http://schemas.microsoft.com/office/powerpoint/2010/main" val="2633692750"/>
-      </p:ext>
-    </p:extLst>
-  </p:cSld>
-  <p:clrMapOvr>
-    <a:masterClrMapping/>
-  </p:clrMapOvr>
-</p:sld>
-</file>
-
-<file path=ppt/slides/slide23.xml><?xml version="1.0" encoding="utf-8"?>
-<p:sld xmlns:a="http://schemas.openxmlformats.org/drawingml/2006/main" xmlns:r="http://schemas.openxmlformats.org/officeDocument/2006/relationships" xmlns:p="http://schemas.openxmlformats.org/presentationml/2006/main">
-  <p:cSld>
-    <p:spTree>
-      <p:nvGrpSpPr>
-        <p:cNvPr id="1" name=""/>
-        <p:cNvGrpSpPr/>
-        <p:nvPr/>
-      </p:nvGrpSpPr>
-      <p:grpSpPr>
-        <a:xfrm>
-          <a:off x="0" y="0"/>
-          <a:ext cx="0" cy="0"/>
-          <a:chOff x="0" y="0"/>
-          <a:chExt cx="0" cy="0"/>
-        </a:xfrm>
-      </p:grpSpPr>
-      <p:sp>
-        <p:nvSpPr>
-          <p:cNvPr id="3" name="Subtitle 2"/>
-          <p:cNvSpPr>
-            <a:spLocks noGrp="1"/>
-          </p:cNvSpPr>
-          <p:nvPr>
-            <p:ph type="subTitle" idx="1"/>
-          </p:nvPr>
-        </p:nvSpPr>
-        <p:spPr>
-          <a:xfrm>
-            <a:off x="323528" y="188640"/>
-            <a:ext cx="8640960" cy="6480720"/>
-          </a:xfrm>
-        </p:spPr>
-        <p:txBody>
-          <a:bodyPr>
-            <a:noAutofit/>
-          </a:bodyPr>
-          <a:lstStyle/>
-          <a:p>
-            <a:r>
-              <a:rPr lang="en-GB" sz="4400" dirty="0">
-                <a:solidFill>
-                  <a:schemeClr val="bg1"/>
-                </a:solidFill>
-              </a:rPr>
-              <a:t>You invite me</a:t>
-            </a:r>
-          </a:p>
-          <a:p>
-            <a:r>
-              <a:rPr lang="en-GB" sz="4400" dirty="0">
-                <a:solidFill>
-                  <a:schemeClr val="bg1"/>
-                </a:solidFill>
-              </a:rPr>
-              <a:t>To sit down at Your table</a:t>
-            </a:r>
-          </a:p>
-          <a:p>
-            <a:r>
-              <a:rPr lang="en-GB" sz="4400" dirty="0">
-                <a:solidFill>
-                  <a:schemeClr val="bg1"/>
-                </a:solidFill>
-              </a:rPr>
-              <a:t>Where I can taste and I can see</a:t>
-            </a:r>
-          </a:p>
-          <a:p>
-            <a:r>
-              <a:rPr lang="en-GB" sz="4400" dirty="0">
-                <a:solidFill>
-                  <a:schemeClr val="bg1"/>
-                </a:solidFill>
-              </a:rPr>
-              <a:t>That You are good</a:t>
-            </a:r>
-          </a:p>
-          <a:p>
-            <a:r>
-              <a:rPr lang="en-GB" sz="4400" dirty="0">
-                <a:solidFill>
-                  <a:schemeClr val="bg1"/>
-                </a:solidFill>
-              </a:rPr>
-              <a:t>and You are always faithful</a:t>
-            </a:r>
-          </a:p>
-          <a:p>
-            <a:r>
-              <a:rPr lang="en-GB" sz="4400" dirty="0">
-                <a:solidFill>
-                  <a:schemeClr val="bg1"/>
-                </a:solidFill>
-              </a:rPr>
-              <a:t>To welcome me</a:t>
-            </a:r>
-          </a:p>
-          <a:p>
-            <a:r>
-              <a:rPr lang="en-GB" sz="4400" dirty="0">
-                <a:solidFill>
-                  <a:schemeClr val="bg1"/>
-                </a:solidFill>
-              </a:rPr>
-              <a:t>The least of these</a:t>
-            </a:r>
-          </a:p>
-        </p:txBody>
-      </p:sp>
-      <p:sp>
-        <p:nvSpPr>
-          <p:cNvPr id="4" name="TextBox 3"/>
-          <p:cNvSpPr txBox="1"/>
-          <p:nvPr/>
-        </p:nvSpPr>
-        <p:spPr>
-          <a:xfrm>
-            <a:off x="8529729" y="0"/>
-            <a:ext cx="628698" cy="461665"/>
-          </a:xfrm>
-          <a:prstGeom prst="rect">
-            <a:avLst/>
-          </a:prstGeom>
-          <a:noFill/>
-        </p:spPr>
-        <p:txBody>
-          <a:bodyPr wrap="none" rtlCol="0">
-            <a:spAutoFit/>
-          </a:bodyPr>
-          <a:lstStyle/>
-          <a:p>
-            <a:r>
-              <a:rPr lang="en-GB" sz="2400" b="1" dirty="0">
-                <a:solidFill>
-                  <a:schemeClr val="bg1"/>
-                </a:solidFill>
-              </a:rPr>
-              <a:t>1/6</a:t>
-            </a:r>
-          </a:p>
-        </p:txBody>
-      </p:sp>
-    </p:spTree>
-    <p:extLst>
-      <p:ext uri="{BB962C8B-B14F-4D97-AF65-F5344CB8AC3E}">
-        <p14:creationId xmlns:p14="http://schemas.microsoft.com/office/powerpoint/2010/main" val="2565024500"/>
-      </p:ext>
-    </p:extLst>
-  </p:cSld>
-  <p:clrMapOvr>
-    <a:masterClrMapping/>
-  </p:clrMapOvr>
-</p:sld>
-</file>
-
-<file path=ppt/slides/slide24.xml><?xml version="1.0" encoding="utf-8"?>
-<p:sld xmlns:a="http://schemas.openxmlformats.org/drawingml/2006/main" xmlns:r="http://schemas.openxmlformats.org/officeDocument/2006/relationships" xmlns:p="http://schemas.openxmlformats.org/presentationml/2006/main">
-  <p:cSld>
-    <p:spTree>
-      <p:nvGrpSpPr>
-        <p:cNvPr id="1" name=""/>
-        <p:cNvGrpSpPr/>
-        <p:nvPr/>
-      </p:nvGrpSpPr>
-      <p:grpSpPr>
-        <a:xfrm>
-          <a:off x="0" y="0"/>
-          <a:ext cx="0" cy="0"/>
-          <a:chOff x="0" y="0"/>
-          <a:chExt cx="0" cy="0"/>
-        </a:xfrm>
-      </p:grpSpPr>
-      <p:sp>
-        <p:nvSpPr>
-          <p:cNvPr id="3" name="Subtitle 2"/>
-          <p:cNvSpPr>
-            <a:spLocks noGrp="1"/>
-          </p:cNvSpPr>
-          <p:nvPr>
-            <p:ph type="subTitle" idx="1"/>
-          </p:nvPr>
-        </p:nvSpPr>
-        <p:spPr>
-          <a:xfrm>
-            <a:off x="323528" y="188640"/>
-            <a:ext cx="8640960" cy="6480720"/>
-          </a:xfrm>
-        </p:spPr>
-        <p:txBody>
-          <a:bodyPr>
-            <a:noAutofit/>
-          </a:bodyPr>
-          <a:lstStyle/>
-          <a:p>
-            <a:r>
-              <a:rPr lang="en-GB" sz="4400" dirty="0">
-                <a:solidFill>
-                  <a:schemeClr val="bg1"/>
-                </a:solidFill>
-              </a:rPr>
-              <a:t>You bring beauty out of the ashes</a:t>
-            </a:r>
-          </a:p>
-          <a:p>
-            <a:r>
-              <a:rPr lang="en-GB" sz="4400" dirty="0">
-                <a:solidFill>
-                  <a:schemeClr val="bg1"/>
-                </a:solidFill>
-              </a:rPr>
-              <a:t>To restore and to redeem</a:t>
-            </a:r>
-          </a:p>
-          <a:p>
-            <a:r>
-              <a:rPr lang="en-GB" sz="4400" dirty="0">
-                <a:solidFill>
-                  <a:schemeClr val="bg1"/>
-                </a:solidFill>
-              </a:rPr>
-              <a:t>So I have come to pour out all my oil</a:t>
-            </a:r>
-          </a:p>
-          <a:p>
-            <a:r>
-              <a:rPr lang="en-GB" sz="4400" dirty="0">
-                <a:solidFill>
-                  <a:schemeClr val="bg1"/>
-                </a:solidFill>
-              </a:rPr>
-              <a:t>All I have, this offering</a:t>
-            </a:r>
-          </a:p>
-        </p:txBody>
-      </p:sp>
-      <p:sp>
-        <p:nvSpPr>
-          <p:cNvPr id="4" name="TextBox 3"/>
-          <p:cNvSpPr txBox="1"/>
-          <p:nvPr/>
-        </p:nvSpPr>
-        <p:spPr>
-          <a:xfrm>
-            <a:off x="8529729" y="0"/>
-            <a:ext cx="628698" cy="461665"/>
-          </a:xfrm>
-          <a:prstGeom prst="rect">
-            <a:avLst/>
-          </a:prstGeom>
-          <a:noFill/>
-        </p:spPr>
-        <p:txBody>
-          <a:bodyPr wrap="none" rtlCol="0">
-            <a:spAutoFit/>
-          </a:bodyPr>
-          <a:lstStyle/>
-          <a:p>
-            <a:r>
-              <a:rPr lang="en-GB" sz="2400" b="1" dirty="0">
-                <a:solidFill>
-                  <a:schemeClr val="bg1"/>
-                </a:solidFill>
-              </a:rPr>
-              <a:t>2/6</a:t>
-            </a:r>
-          </a:p>
-        </p:txBody>
-      </p:sp>
-    </p:spTree>
-    <p:extLst>
-      <p:ext uri="{BB962C8B-B14F-4D97-AF65-F5344CB8AC3E}">
-        <p14:creationId xmlns:p14="http://schemas.microsoft.com/office/powerpoint/2010/main" val="3963401040"/>
-      </p:ext>
-    </p:extLst>
-  </p:cSld>
-  <p:clrMapOvr>
-    <a:masterClrMapping/>
-  </p:clrMapOvr>
-</p:sld>
-</file>
-
-<file path=ppt/slides/slide25.xml><?xml version="1.0" encoding="utf-8"?>
-<p:sld xmlns:a="http://schemas.openxmlformats.org/drawingml/2006/main" xmlns:r="http://schemas.openxmlformats.org/officeDocument/2006/relationships" xmlns:p="http://schemas.openxmlformats.org/presentationml/2006/main">
-  <p:cSld>
-    <p:spTree>
-      <p:nvGrpSpPr>
-        <p:cNvPr id="1" name=""/>
-        <p:cNvGrpSpPr/>
-        <p:nvPr/>
-      </p:nvGrpSpPr>
-      <p:grpSpPr>
-        <a:xfrm>
-          <a:off x="0" y="0"/>
-          <a:ext cx="0" cy="0"/>
-          <a:chOff x="0" y="0"/>
-          <a:chExt cx="0" cy="0"/>
-        </a:xfrm>
-      </p:grpSpPr>
-      <p:sp>
-        <p:nvSpPr>
-          <p:cNvPr id="3" name="Subtitle 2"/>
-          <p:cNvSpPr>
-            <a:spLocks noGrp="1"/>
-          </p:cNvSpPr>
-          <p:nvPr>
-            <p:ph type="subTitle" idx="1"/>
-          </p:nvPr>
-        </p:nvSpPr>
-        <p:spPr>
-          <a:xfrm>
-            <a:off x="323528" y="188640"/>
-            <a:ext cx="8640960" cy="6480720"/>
-          </a:xfrm>
-        </p:spPr>
-        <p:txBody>
-          <a:bodyPr>
-            <a:noAutofit/>
-          </a:bodyPr>
-          <a:lstStyle/>
-          <a:p>
-            <a:r>
-              <a:rPr lang="en-GB" sz="4400" dirty="0">
-                <a:solidFill>
-                  <a:schemeClr val="bg1"/>
-                </a:solidFill>
-              </a:rPr>
-              <a:t>I love You Lord, I love You</a:t>
-            </a:r>
-          </a:p>
-          <a:p>
-            <a:r>
-              <a:rPr lang="en-GB" sz="4400" dirty="0">
-                <a:solidFill>
-                  <a:schemeClr val="bg1"/>
-                </a:solidFill>
-              </a:rPr>
-              <a:t>And I want to sing a sweet </a:t>
-            </a:r>
-            <a:r>
-              <a:rPr lang="en-GB" sz="4400" dirty="0" err="1">
-                <a:solidFill>
-                  <a:schemeClr val="bg1"/>
-                </a:solidFill>
-              </a:rPr>
-              <a:t>sweet</a:t>
-            </a:r>
-            <a:r>
-              <a:rPr lang="en-GB" sz="4400" dirty="0">
-                <a:solidFill>
-                  <a:schemeClr val="bg1"/>
-                </a:solidFill>
-              </a:rPr>
-              <a:t> melody</a:t>
-            </a:r>
-          </a:p>
-          <a:p>
-            <a:r>
-              <a:rPr lang="en-GB" sz="4400" dirty="0">
-                <a:solidFill>
-                  <a:schemeClr val="bg1"/>
-                </a:solidFill>
-              </a:rPr>
-              <a:t>To tell You, that I love You</a:t>
-            </a:r>
-          </a:p>
-          <a:p>
-            <a:r>
-              <a:rPr lang="en-GB" sz="4400" dirty="0">
-                <a:solidFill>
-                  <a:schemeClr val="bg1"/>
-                </a:solidFill>
-              </a:rPr>
-              <a:t>Let it be a sweet </a:t>
-            </a:r>
-            <a:r>
-              <a:rPr lang="en-GB" sz="4400" dirty="0" err="1">
-                <a:solidFill>
-                  <a:schemeClr val="bg1"/>
-                </a:solidFill>
-              </a:rPr>
-              <a:t>sweet</a:t>
-            </a:r>
-            <a:r>
-              <a:rPr lang="en-GB" sz="4400" dirty="0">
-                <a:solidFill>
-                  <a:schemeClr val="bg1"/>
-                </a:solidFill>
-              </a:rPr>
-              <a:t> melody</a:t>
-            </a:r>
-          </a:p>
-          <a:p>
-            <a:r>
-              <a:rPr lang="en-GB" sz="4400" dirty="0">
-                <a:solidFill>
-                  <a:schemeClr val="bg1"/>
-                </a:solidFill>
-              </a:rPr>
-              <a:t>To my King</a:t>
-            </a:r>
-          </a:p>
-        </p:txBody>
-      </p:sp>
-      <p:sp>
-        <p:nvSpPr>
-          <p:cNvPr id="4" name="TextBox 3"/>
-          <p:cNvSpPr txBox="1"/>
-          <p:nvPr/>
-        </p:nvSpPr>
-        <p:spPr>
-          <a:xfrm>
-            <a:off x="8529729" y="0"/>
-            <a:ext cx="628698" cy="461665"/>
-          </a:xfrm>
-          <a:prstGeom prst="rect">
-            <a:avLst/>
-          </a:prstGeom>
-          <a:noFill/>
-        </p:spPr>
-        <p:txBody>
-          <a:bodyPr wrap="none" rtlCol="0">
-            <a:spAutoFit/>
-          </a:bodyPr>
-          <a:lstStyle/>
-          <a:p>
-            <a:r>
-              <a:rPr lang="en-GB" sz="2400" b="1" dirty="0">
-                <a:solidFill>
-                  <a:schemeClr val="bg1"/>
-                </a:solidFill>
-              </a:rPr>
-              <a:t>3/6</a:t>
-            </a:r>
-          </a:p>
-        </p:txBody>
-      </p:sp>
-    </p:spTree>
-    <p:extLst>
-      <p:ext uri="{BB962C8B-B14F-4D97-AF65-F5344CB8AC3E}">
-        <p14:creationId xmlns:p14="http://schemas.microsoft.com/office/powerpoint/2010/main" val="184211131"/>
-      </p:ext>
-    </p:extLst>
-  </p:cSld>
-  <p:clrMapOvr>
-    <a:masterClrMapping/>
-  </p:clrMapOvr>
-</p:sld>
-</file>
-
-<file path=ppt/slides/slide26.xml><?xml version="1.0" encoding="utf-8"?>
-<p:sld xmlns:a="http://schemas.openxmlformats.org/drawingml/2006/main" xmlns:r="http://schemas.openxmlformats.org/officeDocument/2006/relationships" xmlns:p="http://schemas.openxmlformats.org/presentationml/2006/main">
-  <p:cSld>
-    <p:spTree>
-      <p:nvGrpSpPr>
-        <p:cNvPr id="1" name=""/>
-        <p:cNvGrpSpPr/>
-        <p:nvPr/>
-      </p:nvGrpSpPr>
-      <p:grpSpPr>
-        <a:xfrm>
-          <a:off x="0" y="0"/>
-          <a:ext cx="0" cy="0"/>
-          <a:chOff x="0" y="0"/>
-          <a:chExt cx="0" cy="0"/>
-        </a:xfrm>
-      </p:grpSpPr>
-      <p:sp>
-        <p:nvSpPr>
-          <p:cNvPr id="3" name="Subtitle 2"/>
-          <p:cNvSpPr>
-            <a:spLocks noGrp="1"/>
-          </p:cNvSpPr>
-          <p:nvPr>
-            <p:ph type="subTitle" idx="1"/>
-          </p:nvPr>
-        </p:nvSpPr>
-        <p:spPr>
-          <a:xfrm>
-            <a:off x="323528" y="188640"/>
-            <a:ext cx="8640960" cy="6480720"/>
-          </a:xfrm>
-        </p:spPr>
-        <p:txBody>
-          <a:bodyPr>
-            <a:noAutofit/>
-          </a:bodyPr>
-          <a:lstStyle/>
-          <a:p>
-            <a:r>
-              <a:rPr lang="en-GB" sz="4400" dirty="0">
-                <a:solidFill>
-                  <a:schemeClr val="bg1"/>
-                </a:solidFill>
-              </a:rPr>
-              <a:t>You inhabit the praises of Your people</a:t>
-            </a:r>
-          </a:p>
-          <a:p>
-            <a:r>
-              <a:rPr lang="en-GB" sz="4400" dirty="0">
-                <a:solidFill>
-                  <a:schemeClr val="bg1"/>
-                </a:solidFill>
-              </a:rPr>
-              <a:t>So I know You're here, right now</a:t>
-            </a:r>
-          </a:p>
-          <a:p>
-            <a:r>
-              <a:rPr lang="en-GB" sz="4400" dirty="0">
-                <a:solidFill>
-                  <a:schemeClr val="bg1"/>
-                </a:solidFill>
-              </a:rPr>
-              <a:t>With Your Spirit stirring all around me</a:t>
-            </a:r>
-          </a:p>
-          <a:p>
-            <a:r>
-              <a:rPr lang="en-GB" sz="4400" dirty="0">
-                <a:solidFill>
-                  <a:schemeClr val="bg1"/>
-                </a:solidFill>
-              </a:rPr>
-              <a:t>Before Your glory, I bow</a:t>
-            </a:r>
-          </a:p>
-        </p:txBody>
-      </p:sp>
-      <p:sp>
-        <p:nvSpPr>
-          <p:cNvPr id="4" name="TextBox 3"/>
-          <p:cNvSpPr txBox="1"/>
-          <p:nvPr/>
-        </p:nvSpPr>
-        <p:spPr>
-          <a:xfrm>
-            <a:off x="8529729" y="0"/>
-            <a:ext cx="628698" cy="461665"/>
-          </a:xfrm>
-          <a:prstGeom prst="rect">
-            <a:avLst/>
-          </a:prstGeom>
-          <a:noFill/>
-        </p:spPr>
-        <p:txBody>
-          <a:bodyPr wrap="none" rtlCol="0">
-            <a:spAutoFit/>
-          </a:bodyPr>
-          <a:lstStyle/>
-          <a:p>
-            <a:r>
-              <a:rPr lang="en-GB" sz="2400" b="1" dirty="0">
-                <a:solidFill>
-                  <a:schemeClr val="bg1"/>
-                </a:solidFill>
-              </a:rPr>
-              <a:t>4/6</a:t>
-            </a:r>
-          </a:p>
-        </p:txBody>
-      </p:sp>
-    </p:spTree>
-    <p:extLst>
-      <p:ext uri="{BB962C8B-B14F-4D97-AF65-F5344CB8AC3E}">
-        <p14:creationId xmlns:p14="http://schemas.microsoft.com/office/powerpoint/2010/main" val="2699212561"/>
-      </p:ext>
-    </p:extLst>
-  </p:cSld>
-  <p:clrMapOvr>
-    <a:masterClrMapping/>
-  </p:clrMapOvr>
-</p:sld>
-</file>
-
-<file path=ppt/slides/slide27.xml><?xml version="1.0" encoding="utf-8"?>
-<p:sld xmlns:a="http://schemas.openxmlformats.org/drawingml/2006/main" xmlns:r="http://schemas.openxmlformats.org/officeDocument/2006/relationships" xmlns:p="http://schemas.openxmlformats.org/presentationml/2006/main">
-  <p:cSld>
-    <p:spTree>
-      <p:nvGrpSpPr>
-        <p:cNvPr id="1" name=""/>
-        <p:cNvGrpSpPr/>
-        <p:nvPr/>
-      </p:nvGrpSpPr>
-      <p:grpSpPr>
-        <a:xfrm>
-          <a:off x="0" y="0"/>
-          <a:ext cx="0" cy="0"/>
-          <a:chOff x="0" y="0"/>
-          <a:chExt cx="0" cy="0"/>
-        </a:xfrm>
-      </p:grpSpPr>
-      <p:sp>
-        <p:nvSpPr>
-          <p:cNvPr id="3" name="Subtitle 2"/>
-          <p:cNvSpPr>
-            <a:spLocks noGrp="1"/>
-          </p:cNvSpPr>
-          <p:nvPr>
-            <p:ph type="subTitle" idx="1"/>
-          </p:nvPr>
-        </p:nvSpPr>
-        <p:spPr>
-          <a:xfrm>
-            <a:off x="323528" y="188640"/>
-            <a:ext cx="8640960" cy="6480720"/>
-          </a:xfrm>
-        </p:spPr>
-        <p:txBody>
-          <a:bodyPr>
-            <a:noAutofit/>
-          </a:bodyPr>
-          <a:lstStyle/>
-          <a:p>
-            <a:r>
-              <a:rPr lang="en-GB" sz="4400" dirty="0">
-                <a:solidFill>
-                  <a:schemeClr val="bg1"/>
-                </a:solidFill>
-              </a:rPr>
-              <a:t>In my coming and my going</a:t>
-            </a:r>
-          </a:p>
-          <a:p>
-            <a:r>
-              <a:rPr lang="en-GB" sz="4400" dirty="0">
-                <a:solidFill>
-                  <a:schemeClr val="bg1"/>
-                </a:solidFill>
-              </a:rPr>
-              <a:t>I will praise You</a:t>
-            </a:r>
-          </a:p>
-          <a:p>
-            <a:r>
-              <a:rPr lang="en-GB" sz="4400" dirty="0">
-                <a:solidFill>
-                  <a:schemeClr val="bg1"/>
-                </a:solidFill>
-              </a:rPr>
-              <a:t>From the evening through the morning</a:t>
-            </a:r>
-          </a:p>
-          <a:p>
-            <a:r>
-              <a:rPr lang="en-GB" sz="4400" dirty="0">
-                <a:solidFill>
-                  <a:schemeClr val="bg1"/>
-                </a:solidFill>
-              </a:rPr>
-              <a:t>I will praise You</a:t>
-            </a:r>
-          </a:p>
-          <a:p>
-            <a:r>
-              <a:rPr lang="en-GB" sz="4400" dirty="0">
-                <a:solidFill>
-                  <a:schemeClr val="bg1"/>
-                </a:solidFill>
-              </a:rPr>
-              <a:t>When I rise and when I fall</a:t>
-            </a:r>
-          </a:p>
-          <a:p>
-            <a:r>
-              <a:rPr lang="en-GB" sz="4400" dirty="0">
-                <a:solidFill>
-                  <a:schemeClr val="bg1"/>
-                </a:solidFill>
-              </a:rPr>
-              <a:t>I will praise You through it all</a:t>
-            </a:r>
-          </a:p>
-          <a:p>
-            <a:r>
-              <a:rPr lang="en-GB" sz="4400" dirty="0">
-                <a:solidFill>
-                  <a:schemeClr val="bg1"/>
-                </a:solidFill>
-              </a:rPr>
-              <a:t>I will sing a love song to my King</a:t>
-            </a:r>
-          </a:p>
-        </p:txBody>
-      </p:sp>
-      <p:sp>
-        <p:nvSpPr>
-          <p:cNvPr id="4" name="TextBox 3"/>
-          <p:cNvSpPr txBox="1"/>
-          <p:nvPr/>
-        </p:nvSpPr>
-        <p:spPr>
-          <a:xfrm>
-            <a:off x="8529729" y="0"/>
-            <a:ext cx="628698" cy="461665"/>
-          </a:xfrm>
-          <a:prstGeom prst="rect">
-            <a:avLst/>
-          </a:prstGeom>
-          <a:noFill/>
-        </p:spPr>
-        <p:txBody>
-          <a:bodyPr wrap="none" rtlCol="0">
-            <a:spAutoFit/>
-          </a:bodyPr>
-          <a:lstStyle/>
-          <a:p>
-            <a:r>
-              <a:rPr lang="en-GB" sz="2400" b="1" dirty="0">
-                <a:solidFill>
-                  <a:schemeClr val="bg1"/>
-                </a:solidFill>
-              </a:rPr>
-              <a:t>5/6</a:t>
-            </a:r>
-          </a:p>
-        </p:txBody>
-      </p:sp>
-    </p:spTree>
-    <p:extLst>
-      <p:ext uri="{BB962C8B-B14F-4D97-AF65-F5344CB8AC3E}">
-        <p14:creationId xmlns:p14="http://schemas.microsoft.com/office/powerpoint/2010/main" val="79117966"/>
-      </p:ext>
-    </p:extLst>
-  </p:cSld>
-  <p:clrMapOvr>
-    <a:masterClrMapping/>
-  </p:clrMapOvr>
-</p:sld>
-</file>
-
-<file path=ppt/slides/slide28.xml><?xml version="1.0" encoding="utf-8"?>
-<p:sld xmlns:a="http://schemas.openxmlformats.org/drawingml/2006/main" xmlns:r="http://schemas.openxmlformats.org/officeDocument/2006/relationships" xmlns:p="http://schemas.openxmlformats.org/presentationml/2006/main">
-  <p:cSld>
-    <p:spTree>
-      <p:nvGrpSpPr>
-        <p:cNvPr id="1" name=""/>
-        <p:cNvGrpSpPr/>
-        <p:nvPr/>
-      </p:nvGrpSpPr>
-      <p:grpSpPr>
-        <a:xfrm>
-          <a:off x="0" y="0"/>
-          <a:ext cx="0" cy="0"/>
-          <a:chOff x="0" y="0"/>
-          <a:chExt cx="0" cy="0"/>
-        </a:xfrm>
-      </p:grpSpPr>
-      <p:sp>
-        <p:nvSpPr>
-          <p:cNvPr id="3" name="Subtitle 2"/>
-          <p:cNvSpPr>
-            <a:spLocks noGrp="1"/>
-          </p:cNvSpPr>
-          <p:nvPr>
-            <p:ph type="subTitle" idx="1"/>
-          </p:nvPr>
-        </p:nvSpPr>
-        <p:spPr>
-          <a:xfrm>
-            <a:off x="323528" y="188640"/>
-            <a:ext cx="8640960" cy="6480720"/>
-          </a:xfrm>
-        </p:spPr>
-        <p:txBody>
-          <a:bodyPr>
-            <a:noAutofit/>
-          </a:bodyPr>
-          <a:lstStyle/>
-          <a:p>
-            <a:r>
-              <a:rPr lang="en-GB" sz="4400" dirty="0">
-                <a:solidFill>
-                  <a:schemeClr val="bg1"/>
-                </a:solidFill>
-              </a:rPr>
-              <a:t>When I'm lonely and I'm doubting</a:t>
-            </a:r>
-          </a:p>
-          <a:p>
-            <a:r>
-              <a:rPr lang="en-GB" sz="4400" dirty="0">
-                <a:solidFill>
-                  <a:schemeClr val="bg1"/>
-                </a:solidFill>
-              </a:rPr>
-              <a:t>I will praise You</a:t>
-            </a:r>
-          </a:p>
-          <a:p>
-            <a:r>
-              <a:rPr lang="en-GB" sz="4400" dirty="0">
-                <a:solidFill>
-                  <a:schemeClr val="bg1"/>
-                </a:solidFill>
-              </a:rPr>
-              <a:t>On the mountain when I'm shouting</a:t>
-            </a:r>
-          </a:p>
-          <a:p>
-            <a:r>
-              <a:rPr lang="en-GB" sz="4400" dirty="0">
-                <a:solidFill>
-                  <a:schemeClr val="bg1"/>
-                </a:solidFill>
-              </a:rPr>
-              <a:t>I will praise You</a:t>
-            </a:r>
-          </a:p>
-          <a:p>
-            <a:r>
-              <a:rPr lang="en-GB" sz="4400" dirty="0">
-                <a:solidFill>
-                  <a:schemeClr val="bg1"/>
-                </a:solidFill>
-              </a:rPr>
-              <a:t>When I rise and when I fall</a:t>
-            </a:r>
-          </a:p>
-          <a:p>
-            <a:r>
-              <a:rPr lang="en-GB" sz="4400" dirty="0">
-                <a:solidFill>
-                  <a:schemeClr val="bg1"/>
-                </a:solidFill>
-              </a:rPr>
-              <a:t>I will praise You through it all</a:t>
-            </a:r>
-          </a:p>
-          <a:p>
-            <a:r>
-              <a:rPr lang="en-GB" sz="4400" dirty="0">
-                <a:solidFill>
-                  <a:schemeClr val="bg1"/>
-                </a:solidFill>
-              </a:rPr>
-              <a:t>I will sing a love song to my King</a:t>
-            </a:r>
-          </a:p>
-        </p:txBody>
-      </p:sp>
-      <p:sp>
-        <p:nvSpPr>
-          <p:cNvPr id="4" name="TextBox 3"/>
-          <p:cNvSpPr txBox="1"/>
-          <p:nvPr/>
-        </p:nvSpPr>
-        <p:spPr>
-          <a:xfrm>
-            <a:off x="8529729" y="0"/>
-            <a:ext cx="628698" cy="461665"/>
-          </a:xfrm>
-          <a:prstGeom prst="rect">
-            <a:avLst/>
-          </a:prstGeom>
-          <a:noFill/>
-        </p:spPr>
-        <p:txBody>
-          <a:bodyPr wrap="none" rtlCol="0">
-            <a:spAutoFit/>
-          </a:bodyPr>
-          <a:lstStyle/>
-          <a:p>
-            <a:r>
-              <a:rPr lang="en-GB" sz="2400" b="1" dirty="0">
-                <a:solidFill>
-                  <a:schemeClr val="bg1"/>
-                </a:solidFill>
-              </a:rPr>
-              <a:t>6/6</a:t>
-            </a:r>
-          </a:p>
-        </p:txBody>
-      </p:sp>
-    </p:spTree>
-    <p:extLst>
-      <p:ext uri="{BB962C8B-B14F-4D97-AF65-F5344CB8AC3E}">
-        <p14:creationId xmlns:p14="http://schemas.microsoft.com/office/powerpoint/2010/main" val="3964888748"/>
-      </p:ext>
-    </p:extLst>
-  </p:cSld>
-  <p:clrMapOvr>
-    <a:masterClrMapping/>
-  </p:clrMapOvr>
-</p:sld>
-</file>
-
-<file path=ppt/slides/slide29.xml><?xml version="1.0" encoding="utf-8"?>
-<p:sld xmlns:a="http://schemas.openxmlformats.org/drawingml/2006/main" xmlns:r="http://schemas.openxmlformats.org/officeDocument/2006/relationships" xmlns:p="http://schemas.openxmlformats.org/presentationml/2006/main">
-  <p:cSld>
-    <p:spTree>
-      <p:nvGrpSpPr>
-        <p:cNvPr id="1" name=""/>
-        <p:cNvGrpSpPr/>
-        <p:nvPr/>
-      </p:nvGrpSpPr>
-      <p:grpSpPr>
-        <a:xfrm>
-          <a:off x="0" y="0"/>
-          <a:ext cx="0" cy="0"/>
-          <a:chOff x="0" y="0"/>
-          <a:chExt cx="0" cy="0"/>
-        </a:xfrm>
-      </p:grpSpPr>
-      <p:sp>
-        <p:nvSpPr>
-          <p:cNvPr id="3" name="Subtitle 2"/>
-          <p:cNvSpPr>
-            <a:spLocks noGrp="1"/>
-          </p:cNvSpPr>
-          <p:nvPr>
-            <p:ph type="subTitle" idx="1"/>
-          </p:nvPr>
-        </p:nvSpPr>
-        <p:spPr>
-          <a:xfrm>
-            <a:off x="323528" y="188640"/>
-            <a:ext cx="8640960" cy="6480720"/>
-          </a:xfrm>
-        </p:spPr>
-        <p:txBody>
-          <a:bodyPr>
-            <a:noAutofit/>
-          </a:bodyPr>
-          <a:lstStyle/>
-          <a:p>
-            <a:endParaRPr lang="en-GB" sz="5400" dirty="0">
-              <a:solidFill>
-                <a:schemeClr val="bg1"/>
-              </a:solidFill>
-            </a:endParaRPr>
-          </a:p>
-          <a:p>
-            <a:r>
-              <a:rPr lang="en-GB" sz="6600" b="0" i="0" dirty="0">
-                <a:solidFill>
-                  <a:srgbClr val="00A3E0"/>
-                </a:solidFill>
-                <a:effectLst/>
-                <a:latin typeface="akagi_probook"/>
-              </a:rPr>
-              <a:t>Change My Heart</a:t>
-            </a:r>
-          </a:p>
-          <a:p>
-            <a:br>
-              <a:rPr lang="en-GB" sz="1200" dirty="0">
-                <a:solidFill>
-                  <a:schemeClr val="bg1"/>
-                </a:solidFill>
-              </a:rPr>
-            </a:br>
-            <a:r>
-              <a:rPr lang="en-GB" sz="1200" dirty="0">
-                <a:solidFill>
-                  <a:schemeClr val="bg1"/>
-                </a:solidFill>
-              </a:rPr>
-              <a:t>CCLI Song # 1565</a:t>
-            </a:r>
-          </a:p>
-          <a:p>
-            <a:endParaRPr lang="en-GB" sz="1200" dirty="0">
-              <a:solidFill>
-                <a:schemeClr val="bg1"/>
-              </a:solidFill>
-            </a:endParaRPr>
-          </a:p>
-          <a:p>
-            <a:r>
-              <a:rPr lang="en-GB" sz="1200" dirty="0">
-                <a:solidFill>
-                  <a:schemeClr val="bg1"/>
-                </a:solidFill>
-              </a:rPr>
-              <a:t>Eddie Espinosa</a:t>
-            </a:r>
-          </a:p>
-          <a:p>
-            <a:endParaRPr lang="en-GB" sz="1200" dirty="0">
-              <a:solidFill>
-                <a:schemeClr val="bg1"/>
-              </a:solidFill>
-            </a:endParaRPr>
-          </a:p>
-          <a:p>
-            <a:r>
-              <a:rPr lang="en-GB" sz="1200" dirty="0">
-                <a:solidFill>
-                  <a:schemeClr val="bg1"/>
-                </a:solidFill>
-              </a:rPr>
-              <a:t>© 1982 Mercy / Vineyard Publishing (Admin. by Integrity Music Ltd)</a:t>
-            </a:r>
-          </a:p>
-          <a:p>
-            <a:r>
-              <a:rPr lang="en-GB" sz="1200" dirty="0">
-                <a:solidFill>
-                  <a:schemeClr val="bg1"/>
-                </a:solidFill>
-              </a:rPr>
-              <a:t>For use solely with the </a:t>
-            </a:r>
-            <a:r>
-              <a:rPr lang="en-GB" sz="1200" dirty="0" err="1">
-                <a:solidFill>
-                  <a:schemeClr val="bg1"/>
-                </a:solidFill>
-              </a:rPr>
-              <a:t>SongSelect</a:t>
-            </a:r>
-            <a:r>
-              <a:rPr lang="en-GB" sz="1200" dirty="0">
-                <a:solidFill>
-                  <a:schemeClr val="bg1"/>
-                </a:solidFill>
-              </a:rPr>
-              <a:t>® Terms of Use. All rights reserved. www.ccli.com</a:t>
-            </a:r>
-          </a:p>
-          <a:p>
-            <a:endParaRPr lang="en-GB" sz="1200" dirty="0">
-              <a:solidFill>
-                <a:schemeClr val="bg1"/>
-              </a:solidFill>
-            </a:endParaRPr>
-          </a:p>
-          <a:p>
-            <a:r>
-              <a:rPr lang="en-GB" sz="1200" dirty="0">
-                <a:solidFill>
-                  <a:schemeClr val="bg1"/>
-                </a:solidFill>
-              </a:rPr>
-              <a:t>CCLI Licence No. 33265</a:t>
-            </a:r>
-          </a:p>
-        </p:txBody>
-      </p:sp>
-    </p:spTree>
-    <p:extLst>
-      <p:ext uri="{BB962C8B-B14F-4D97-AF65-F5344CB8AC3E}">
-        <p14:creationId xmlns:p14="http://schemas.microsoft.com/office/powerpoint/2010/main" val="644046784"/>
-      </p:ext>
-    </p:extLst>
-  </p:cSld>
-  <p:clrMapOvr>
-    <a:masterClrMapping/>
-  </p:clrMapOvr>
-</p:sld>
-</file>
-
-<file path=ppt/slides/slide3.xml><?xml version="1.0" encoding="utf-8"?>
-<p:sld xmlns:a="http://schemas.openxmlformats.org/drawingml/2006/main" xmlns:r="http://schemas.openxmlformats.org/officeDocument/2006/relationships" xmlns:p="http://schemas.openxmlformats.org/presentationml/2006/main">
-  <p:cSld>
-    <p:spTree>
-      <p:nvGrpSpPr>
-        <p:cNvPr id="1" name=""/>
-        <p:cNvGrpSpPr/>
-        <p:nvPr/>
-      </p:nvGrpSpPr>
-      <p:grpSpPr>
-        <a:xfrm>
-          <a:off x="0" y="0"/>
-          <a:ext cx="0" cy="0"/>
-          <a:chOff x="0" y="0"/>
-          <a:chExt cx="0" cy="0"/>
-        </a:xfrm>
-      </p:grpSpPr>
-      <p:sp>
-        <p:nvSpPr>
-          <p:cNvPr id="3" name="Subtitle 2"/>
-          <p:cNvSpPr>
-            <a:spLocks noGrp="1"/>
-          </p:cNvSpPr>
-          <p:nvPr>
-            <p:ph type="subTitle" idx="1"/>
-          </p:nvPr>
-        </p:nvSpPr>
-        <p:spPr>
-          <a:xfrm>
-            <a:off x="323528" y="188640"/>
-            <a:ext cx="8640960" cy="6480720"/>
-          </a:xfrm>
-        </p:spPr>
-        <p:txBody>
-          <a:bodyPr>
-            <a:noAutofit/>
-          </a:bodyPr>
-          <a:lstStyle/>
-          <a:p>
-            <a:r>
-              <a:rPr lang="en-GB" sz="4600" dirty="0">
-                <a:solidFill>
-                  <a:schemeClr val="bg1"/>
-                </a:solidFill>
-              </a:rPr>
-              <a:t>I reach up high I touch the ground</a:t>
-            </a:r>
-          </a:p>
-          <a:p>
-            <a:r>
-              <a:rPr lang="en-GB" sz="4600" dirty="0">
-                <a:solidFill>
-                  <a:schemeClr val="bg1"/>
-                </a:solidFill>
-              </a:rPr>
-              <a:t>I stomp my feet and turn around</a:t>
-            </a:r>
-          </a:p>
-          <a:p>
-            <a:r>
-              <a:rPr lang="en-GB" sz="4600" dirty="0">
-                <a:solidFill>
-                  <a:schemeClr val="bg1"/>
-                </a:solidFill>
-              </a:rPr>
-              <a:t>I've got to (woo woo) </a:t>
-            </a:r>
-            <a:br>
-              <a:rPr lang="en-GB" sz="4600" dirty="0">
-                <a:solidFill>
-                  <a:schemeClr val="bg1"/>
-                </a:solidFill>
-              </a:rPr>
-            </a:br>
-            <a:r>
-              <a:rPr lang="en-GB" sz="4600" dirty="0">
-                <a:solidFill>
-                  <a:schemeClr val="bg1"/>
-                </a:solidFill>
-              </a:rPr>
-              <a:t>Praise the Lord</a:t>
-            </a:r>
-          </a:p>
-          <a:p>
-            <a:r>
-              <a:rPr lang="en-GB" sz="4600" dirty="0">
-                <a:solidFill>
-                  <a:schemeClr val="bg1"/>
-                </a:solidFill>
-              </a:rPr>
-              <a:t>I jump and dance with all my might</a:t>
-            </a:r>
-          </a:p>
-          <a:p>
-            <a:r>
-              <a:rPr lang="en-GB" sz="4600" dirty="0">
-                <a:solidFill>
-                  <a:schemeClr val="bg1"/>
-                </a:solidFill>
-              </a:rPr>
-              <a:t>I might look funny but that's alright</a:t>
-            </a:r>
-          </a:p>
-          <a:p>
-            <a:r>
-              <a:rPr lang="en-GB" sz="4600" dirty="0">
-                <a:solidFill>
-                  <a:schemeClr val="bg1"/>
-                </a:solidFill>
-              </a:rPr>
-              <a:t>I've got to (woo woo) </a:t>
-            </a:r>
-          </a:p>
-          <a:p>
-            <a:r>
-              <a:rPr lang="en-GB" sz="4600" dirty="0">
-                <a:solidFill>
-                  <a:schemeClr val="bg1"/>
-                </a:solidFill>
-              </a:rPr>
-              <a:t>Praise my Lord</a:t>
-            </a:r>
-          </a:p>
-        </p:txBody>
-      </p:sp>
-      <p:sp>
-        <p:nvSpPr>
-          <p:cNvPr id="4" name="TextBox 3"/>
-          <p:cNvSpPr txBox="1"/>
-          <p:nvPr/>
-        </p:nvSpPr>
-        <p:spPr>
-          <a:xfrm>
-            <a:off x="8529729" y="0"/>
-            <a:ext cx="628698" cy="461665"/>
-          </a:xfrm>
-          <a:prstGeom prst="rect">
-            <a:avLst/>
-          </a:prstGeom>
-          <a:noFill/>
-        </p:spPr>
-        <p:txBody>
-          <a:bodyPr wrap="none" rtlCol="0">
-            <a:spAutoFit/>
-          </a:bodyPr>
-          <a:lstStyle/>
-          <a:p>
-            <a:r>
-              <a:rPr lang="en-GB" sz="2400" b="1" dirty="0">
-                <a:solidFill>
-                  <a:schemeClr val="bg1"/>
-                </a:solidFill>
-              </a:rPr>
-              <a:t>1/3</a:t>
-            </a:r>
-          </a:p>
-        </p:txBody>
-      </p:sp>
-    </p:spTree>
-    <p:extLst>
-      <p:ext uri="{BB962C8B-B14F-4D97-AF65-F5344CB8AC3E}">
-        <p14:creationId xmlns:p14="http://schemas.microsoft.com/office/powerpoint/2010/main" val="348632634"/>
-      </p:ext>
-    </p:extLst>
-  </p:cSld>
-  <p:clrMapOvr>
-    <a:masterClrMapping/>
-  </p:clrMapOvr>
-</p:sld>
-</file>
-
-<file path=ppt/slides/slide30.xml><?xml version="1.0" encoding="utf-8"?>
-<p:sld xmlns:a="http://schemas.openxmlformats.org/drawingml/2006/main" xmlns:r="http://schemas.openxmlformats.org/officeDocument/2006/relationships" xmlns:p="http://schemas.openxmlformats.org/presentationml/2006/main">
-  <p:cSld>
-    <p:spTree>
-      <p:nvGrpSpPr>
-        <p:cNvPr id="1" name=""/>
-        <p:cNvGrpSpPr/>
-        <p:nvPr/>
-      </p:nvGrpSpPr>
-      <p:grpSpPr>
-        <a:xfrm>
-          <a:off x="0" y="0"/>
-          <a:ext cx="0" cy="0"/>
-          <a:chOff x="0" y="0"/>
-          <a:chExt cx="0" cy="0"/>
-        </a:xfrm>
-      </p:grpSpPr>
-      <p:sp>
-        <p:nvSpPr>
-          <p:cNvPr id="3" name="Subtitle 2"/>
-          <p:cNvSpPr>
-            <a:spLocks noGrp="1"/>
-          </p:cNvSpPr>
-          <p:nvPr>
-            <p:ph type="subTitle" idx="1"/>
-          </p:nvPr>
-        </p:nvSpPr>
-        <p:spPr>
-          <a:xfrm>
-            <a:off x="323528" y="188640"/>
-            <a:ext cx="8640960" cy="6480720"/>
-          </a:xfrm>
-        </p:spPr>
-        <p:txBody>
-          <a:bodyPr>
-            <a:noAutofit/>
-          </a:bodyPr>
-          <a:lstStyle/>
-          <a:p>
-            <a:r>
-              <a:rPr lang="en-GB" sz="4000" dirty="0">
-                <a:solidFill>
-                  <a:schemeClr val="bg1"/>
-                </a:solidFill>
-              </a:rPr>
-              <a:t>Change my heart O God</a:t>
-            </a:r>
-          </a:p>
-          <a:p>
-            <a:r>
-              <a:rPr lang="en-GB" sz="4000" dirty="0">
-                <a:solidFill>
-                  <a:schemeClr val="bg1"/>
-                </a:solidFill>
-              </a:rPr>
-              <a:t>Make it ever true</a:t>
-            </a:r>
-          </a:p>
-          <a:p>
-            <a:r>
-              <a:rPr lang="en-GB" sz="4000" dirty="0">
-                <a:solidFill>
-                  <a:schemeClr val="bg1"/>
-                </a:solidFill>
-              </a:rPr>
-              <a:t>Change my heart O God</a:t>
-            </a:r>
-          </a:p>
-          <a:p>
-            <a:r>
-              <a:rPr lang="en-GB" sz="4000" dirty="0">
-                <a:solidFill>
-                  <a:schemeClr val="bg1"/>
-                </a:solidFill>
-              </a:rPr>
-              <a:t>May I be like You</a:t>
-            </a:r>
-          </a:p>
-        </p:txBody>
-      </p:sp>
-      <p:sp>
-        <p:nvSpPr>
-          <p:cNvPr id="4" name="TextBox 3"/>
-          <p:cNvSpPr txBox="1"/>
-          <p:nvPr/>
-        </p:nvSpPr>
-        <p:spPr>
-          <a:xfrm>
-            <a:off x="8529729" y="0"/>
-            <a:ext cx="628698" cy="461665"/>
-          </a:xfrm>
-          <a:prstGeom prst="rect">
-            <a:avLst/>
-          </a:prstGeom>
-          <a:noFill/>
-        </p:spPr>
-        <p:txBody>
-          <a:bodyPr wrap="none" rtlCol="0">
-            <a:spAutoFit/>
-          </a:bodyPr>
-          <a:lstStyle/>
-          <a:p>
-            <a:r>
-              <a:rPr lang="en-GB" sz="2400" b="1" dirty="0">
-                <a:solidFill>
-                  <a:schemeClr val="bg1"/>
-                </a:solidFill>
-              </a:rPr>
-              <a:t>1/2</a:t>
-            </a:r>
-          </a:p>
-        </p:txBody>
-      </p:sp>
-    </p:spTree>
-    <p:extLst>
-      <p:ext uri="{BB962C8B-B14F-4D97-AF65-F5344CB8AC3E}">
-        <p14:creationId xmlns:p14="http://schemas.microsoft.com/office/powerpoint/2010/main" val="2175635830"/>
-      </p:ext>
-    </p:extLst>
-  </p:cSld>
-  <p:clrMapOvr>
-    <a:masterClrMapping/>
-  </p:clrMapOvr>
-</p:sld>
-</file>
-
-<file path=ppt/slides/slide31.xml><?xml version="1.0" encoding="utf-8"?>
-<p:sld xmlns:a="http://schemas.openxmlformats.org/drawingml/2006/main" xmlns:r="http://schemas.openxmlformats.org/officeDocument/2006/relationships" xmlns:p="http://schemas.openxmlformats.org/presentationml/2006/main">
-  <p:cSld>
-    <p:spTree>
-      <p:nvGrpSpPr>
-        <p:cNvPr id="1" name=""/>
-        <p:cNvGrpSpPr/>
-        <p:nvPr/>
-      </p:nvGrpSpPr>
-      <p:grpSpPr>
-        <a:xfrm>
-          <a:off x="0" y="0"/>
-          <a:ext cx="0" cy="0"/>
-          <a:chOff x="0" y="0"/>
-          <a:chExt cx="0" cy="0"/>
-        </a:xfrm>
-      </p:grpSpPr>
-      <p:sp>
-        <p:nvSpPr>
-          <p:cNvPr id="3" name="Subtitle 2"/>
-          <p:cNvSpPr>
-            <a:spLocks noGrp="1"/>
-          </p:cNvSpPr>
-          <p:nvPr>
-            <p:ph type="subTitle" idx="1"/>
-          </p:nvPr>
-        </p:nvSpPr>
-        <p:spPr>
-          <a:xfrm>
-            <a:off x="323528" y="188640"/>
-            <a:ext cx="8640960" cy="6480720"/>
-          </a:xfrm>
-        </p:spPr>
-        <p:txBody>
-          <a:bodyPr>
-            <a:noAutofit/>
-          </a:bodyPr>
-          <a:lstStyle/>
-          <a:p>
-            <a:r>
-              <a:rPr lang="en-GB" sz="4000" dirty="0">
-                <a:solidFill>
-                  <a:schemeClr val="bg1"/>
-                </a:solidFill>
-              </a:rPr>
-              <a:t>You are the Potter</a:t>
-            </a:r>
-          </a:p>
-          <a:p>
-            <a:r>
-              <a:rPr lang="en-GB" sz="4000" dirty="0">
-                <a:solidFill>
-                  <a:schemeClr val="bg1"/>
-                </a:solidFill>
-              </a:rPr>
-              <a:t>I am the clay</a:t>
-            </a:r>
-          </a:p>
-          <a:p>
-            <a:r>
-              <a:rPr lang="en-GB" sz="4000" dirty="0">
-                <a:solidFill>
-                  <a:schemeClr val="bg1"/>
-                </a:solidFill>
-              </a:rPr>
-              <a:t>Mould me and make me</a:t>
-            </a:r>
-          </a:p>
-          <a:p>
-            <a:r>
-              <a:rPr lang="en-GB" sz="4000" dirty="0">
-                <a:solidFill>
-                  <a:schemeClr val="bg1"/>
-                </a:solidFill>
-              </a:rPr>
-              <a:t>This is what I pray</a:t>
-            </a:r>
-          </a:p>
-        </p:txBody>
-      </p:sp>
-      <p:sp>
-        <p:nvSpPr>
-          <p:cNvPr id="4" name="TextBox 3"/>
-          <p:cNvSpPr txBox="1"/>
-          <p:nvPr/>
-        </p:nvSpPr>
-        <p:spPr>
-          <a:xfrm>
-            <a:off x="8529729" y="0"/>
-            <a:ext cx="628698" cy="461665"/>
-          </a:xfrm>
-          <a:prstGeom prst="rect">
-            <a:avLst/>
-          </a:prstGeom>
-          <a:noFill/>
-        </p:spPr>
-        <p:txBody>
-          <a:bodyPr wrap="none" rtlCol="0">
-            <a:spAutoFit/>
-          </a:bodyPr>
-          <a:lstStyle/>
-          <a:p>
-            <a:r>
-              <a:rPr lang="en-GB" sz="2400" b="1" dirty="0">
-                <a:solidFill>
-                  <a:schemeClr val="bg1"/>
-                </a:solidFill>
-              </a:rPr>
-              <a:t>2/2</a:t>
-            </a:r>
-          </a:p>
-        </p:txBody>
-      </p:sp>
-    </p:spTree>
-    <p:extLst>
-      <p:ext uri="{BB962C8B-B14F-4D97-AF65-F5344CB8AC3E}">
-        <p14:creationId xmlns:p14="http://schemas.microsoft.com/office/powerpoint/2010/main" val="2582763103"/>
-      </p:ext>
-    </p:extLst>
-  </p:cSld>
-  <p:clrMapOvr>
-    <a:masterClrMapping/>
-  </p:clrMapOvr>
-</p:sld>
-</file>
-
-<file path=ppt/slides/slide32.xml><?xml version="1.0" encoding="utf-8"?>
-<p:sld xmlns:a="http://schemas.openxmlformats.org/drawingml/2006/main" xmlns:r="http://schemas.openxmlformats.org/officeDocument/2006/relationships" xmlns:p="http://schemas.openxmlformats.org/presentationml/2006/main">
-  <p:cSld>
     <p:bg>
       <p:bgPr>
         <a:gradFill rotWithShape="1">
@@ -7580,7 +5974,7 @@
 </p:sld>
 </file>
 
-<file path=ppt/slides/slide33.xml><?xml version="1.0" encoding="utf-8"?>
+<file path=ppt/slides/slide23.xml><?xml version="1.0" encoding="utf-8"?>
 <p:sld xmlns:a="http://schemas.openxmlformats.org/drawingml/2006/main" xmlns:r="http://schemas.openxmlformats.org/officeDocument/2006/relationships" xmlns:p="http://schemas.openxmlformats.org/presentationml/2006/main">
   <p:cSld>
     <p:spTree>
@@ -7610,7 +6004,7 @@
 </p:sld>
 </file>
 
-<file path=ppt/slides/slide34.xml><?xml version="1.0" encoding="utf-8"?>
+<file path=ppt/slides/slide24.xml><?xml version="1.0" encoding="utf-8"?>
 <p:sld xmlns:a="http://schemas.openxmlformats.org/drawingml/2006/main" xmlns:r="http://schemas.openxmlformats.org/officeDocument/2006/relationships" xmlns:p="http://schemas.openxmlformats.org/presentationml/2006/main">
   <p:cSld>
     <p:spTree>
@@ -7677,6 +6071,2034 @@
     <p:extLst>
       <p:ext uri="{BB962C8B-B14F-4D97-AF65-F5344CB8AC3E}">
         <p14:creationId xmlns:p14="http://schemas.microsoft.com/office/powerpoint/2010/main" val="1867992004"/>
+      </p:ext>
+    </p:extLst>
+  </p:cSld>
+  <p:clrMapOvr>
+    <a:masterClrMapping/>
+  </p:clrMapOvr>
+</p:sld>
+</file>
+
+<file path=ppt/slides/slide25.xml><?xml version="1.0" encoding="utf-8"?>
+<p:sld xmlns:a="http://schemas.openxmlformats.org/drawingml/2006/main" xmlns:r="http://schemas.openxmlformats.org/officeDocument/2006/relationships" xmlns:p="http://schemas.openxmlformats.org/presentationml/2006/main">
+  <p:cSld>
+    <p:spTree>
+      <p:nvGrpSpPr>
+        <p:cNvPr id="1" name=""/>
+        <p:cNvGrpSpPr/>
+        <p:nvPr/>
+      </p:nvGrpSpPr>
+      <p:grpSpPr>
+        <a:xfrm>
+          <a:off x="0" y="0"/>
+          <a:ext cx="0" cy="0"/>
+          <a:chOff x="0" y="0"/>
+          <a:chExt cx="0" cy="0"/>
+        </a:xfrm>
+      </p:grpSpPr>
+      <p:pic>
+        <p:nvPicPr>
+          <p:cNvPr id="3" name="Picture 2">
+            <a:extLst>
+              <a:ext uri="{FF2B5EF4-FFF2-40B4-BE49-F238E27FC236}">
+                <a16:creationId xmlns:a16="http://schemas.microsoft.com/office/drawing/2014/main" id="{9934E55B-5CCB-C251-8510-12982E76EC7E}"/>
+              </a:ext>
+            </a:extLst>
+          </p:cNvPr>
+          <p:cNvPicPr>
+            <a:picLocks noChangeAspect="1"/>
+          </p:cNvPicPr>
+          <p:nvPr/>
+        </p:nvPicPr>
+        <p:blipFill>
+          <a:blip r:embed="rId2"/>
+          <a:stretch>
+            <a:fillRect/>
+          </a:stretch>
+        </p:blipFill>
+        <p:spPr>
+          <a:xfrm>
+            <a:off x="0" y="207433"/>
+            <a:ext cx="9144000" cy="6443133"/>
+          </a:xfrm>
+          <a:prstGeom prst="rect">
+            <a:avLst/>
+          </a:prstGeom>
+        </p:spPr>
+      </p:pic>
+    </p:spTree>
+    <p:extLst>
+      <p:ext uri="{BB962C8B-B14F-4D97-AF65-F5344CB8AC3E}">
+        <p14:creationId xmlns:p14="http://schemas.microsoft.com/office/powerpoint/2010/main" val="488420731"/>
+      </p:ext>
+    </p:extLst>
+  </p:cSld>
+  <p:clrMapOvr>
+    <a:masterClrMapping/>
+  </p:clrMapOvr>
+</p:sld>
+</file>
+
+<file path=ppt/slides/slide26.xml><?xml version="1.0" encoding="utf-8"?>
+<p:sld xmlns:a="http://schemas.openxmlformats.org/drawingml/2006/main" xmlns:r="http://schemas.openxmlformats.org/officeDocument/2006/relationships" xmlns:p="http://schemas.openxmlformats.org/presentationml/2006/main">
+  <p:cSld>
+    <p:spTree>
+      <p:nvGrpSpPr>
+        <p:cNvPr id="1" name=""/>
+        <p:cNvGrpSpPr/>
+        <p:nvPr/>
+      </p:nvGrpSpPr>
+      <p:grpSpPr>
+        <a:xfrm>
+          <a:off x="0" y="0"/>
+          <a:ext cx="0" cy="0"/>
+          <a:chOff x="0" y="0"/>
+          <a:chExt cx="0" cy="0"/>
+        </a:xfrm>
+      </p:grpSpPr>
+    </p:spTree>
+    <p:extLst>
+      <p:ext uri="{BB962C8B-B14F-4D97-AF65-F5344CB8AC3E}">
+        <p14:creationId xmlns:p14="http://schemas.microsoft.com/office/powerpoint/2010/main" val="3161600021"/>
+      </p:ext>
+    </p:extLst>
+  </p:cSld>
+  <p:clrMapOvr>
+    <a:masterClrMapping/>
+  </p:clrMapOvr>
+</p:sld>
+</file>
+
+<file path=ppt/slides/slide27.xml><?xml version="1.0" encoding="utf-8"?>
+<p:sld xmlns:a="http://schemas.openxmlformats.org/drawingml/2006/main" xmlns:r="http://schemas.openxmlformats.org/officeDocument/2006/relationships" xmlns:p="http://schemas.openxmlformats.org/presentationml/2006/main">
+  <p:cSld>
+    <p:spTree>
+      <p:nvGrpSpPr>
+        <p:cNvPr id="1" name=""/>
+        <p:cNvGrpSpPr/>
+        <p:nvPr/>
+      </p:nvGrpSpPr>
+      <p:grpSpPr>
+        <a:xfrm>
+          <a:off x="0" y="0"/>
+          <a:ext cx="0" cy="0"/>
+          <a:chOff x="0" y="0"/>
+          <a:chExt cx="0" cy="0"/>
+        </a:xfrm>
+      </p:grpSpPr>
+      <p:sp>
+        <p:nvSpPr>
+          <p:cNvPr id="3" name="Subtitle 2"/>
+          <p:cNvSpPr>
+            <a:spLocks noGrp="1"/>
+          </p:cNvSpPr>
+          <p:nvPr>
+            <p:ph type="subTitle" idx="1"/>
+          </p:nvPr>
+        </p:nvSpPr>
+        <p:spPr>
+          <a:xfrm>
+            <a:off x="323528" y="188640"/>
+            <a:ext cx="8640960" cy="6480720"/>
+          </a:xfrm>
+        </p:spPr>
+        <p:txBody>
+          <a:bodyPr>
+            <a:noAutofit/>
+          </a:bodyPr>
+          <a:lstStyle/>
+          <a:p>
+            <a:endParaRPr lang="en-GB" sz="5400" dirty="0">
+              <a:solidFill>
+                <a:schemeClr val="bg1"/>
+              </a:solidFill>
+            </a:endParaRPr>
+          </a:p>
+          <a:p>
+            <a:r>
+              <a:rPr lang="en-GB" sz="6600" dirty="0">
+                <a:solidFill>
+                  <a:srgbClr val="00A3E0"/>
+                </a:solidFill>
+                <a:latin typeface="akagi_probook"/>
+              </a:rPr>
+              <a:t>P</a:t>
+            </a:r>
+            <a:r>
+              <a:rPr lang="en-GB" sz="6600" b="0" i="0" dirty="0">
+                <a:solidFill>
+                  <a:srgbClr val="00A3E0"/>
+                </a:solidFill>
+                <a:effectLst/>
+                <a:latin typeface="akagi_probook"/>
+              </a:rPr>
+              <a:t>ower of Your Love</a:t>
+            </a:r>
+          </a:p>
+          <a:p>
+            <a:br>
+              <a:rPr lang="en-GB" sz="1200" dirty="0">
+                <a:solidFill>
+                  <a:schemeClr val="bg1"/>
+                </a:solidFill>
+              </a:rPr>
+            </a:br>
+            <a:r>
+              <a:rPr lang="en-GB" sz="1200" dirty="0">
+                <a:solidFill>
+                  <a:schemeClr val="bg1"/>
+                </a:solidFill>
+              </a:rPr>
+              <a:t>CCLI Song # 917491</a:t>
+            </a:r>
+          </a:p>
+          <a:p>
+            <a:endParaRPr lang="en-GB" sz="1200" dirty="0">
+              <a:solidFill>
+                <a:schemeClr val="bg1"/>
+              </a:solidFill>
+            </a:endParaRPr>
+          </a:p>
+          <a:p>
+            <a:r>
+              <a:rPr lang="en-GB" sz="1200" dirty="0">
+                <a:solidFill>
+                  <a:schemeClr val="bg1"/>
+                </a:solidFill>
+              </a:rPr>
+              <a:t>Geoff Bullock</a:t>
+            </a:r>
+          </a:p>
+          <a:p>
+            <a:endParaRPr lang="en-GB" sz="1200" dirty="0">
+              <a:solidFill>
+                <a:schemeClr val="bg1"/>
+              </a:solidFill>
+            </a:endParaRPr>
+          </a:p>
+          <a:p>
+            <a:r>
+              <a:rPr lang="en-GB" sz="1200" dirty="0">
+                <a:solidFill>
+                  <a:schemeClr val="bg1"/>
+                </a:solidFill>
+              </a:rPr>
+              <a:t>© 1992 Geoff Bullock Music (Admin. by Song Solutions www.songsolutions.org)</a:t>
+            </a:r>
+          </a:p>
+          <a:p>
+            <a:r>
+              <a:rPr lang="en-GB" sz="1200" dirty="0">
+                <a:solidFill>
+                  <a:schemeClr val="bg1"/>
+                </a:solidFill>
+              </a:rPr>
+              <a:t>For use solely with the </a:t>
+            </a:r>
+            <a:r>
+              <a:rPr lang="en-GB" sz="1200" dirty="0" err="1">
+                <a:solidFill>
+                  <a:schemeClr val="bg1"/>
+                </a:solidFill>
+              </a:rPr>
+              <a:t>SongSelect</a:t>
+            </a:r>
+            <a:r>
+              <a:rPr lang="en-GB" sz="1200" dirty="0">
+                <a:solidFill>
+                  <a:schemeClr val="bg1"/>
+                </a:solidFill>
+              </a:rPr>
+              <a:t>® Terms of Use. All rights reserved. www.ccli.com</a:t>
+            </a:r>
+          </a:p>
+          <a:p>
+            <a:endParaRPr lang="en-GB" sz="1200" dirty="0">
+              <a:solidFill>
+                <a:schemeClr val="bg1"/>
+              </a:solidFill>
+            </a:endParaRPr>
+          </a:p>
+          <a:p>
+            <a:r>
+              <a:rPr lang="en-GB" sz="1200" dirty="0">
+                <a:solidFill>
+                  <a:schemeClr val="bg1"/>
+                </a:solidFill>
+              </a:rPr>
+              <a:t>CCLI Licence No. 33265</a:t>
+            </a:r>
+          </a:p>
+        </p:txBody>
+      </p:sp>
+    </p:spTree>
+    <p:extLst>
+      <p:ext uri="{BB962C8B-B14F-4D97-AF65-F5344CB8AC3E}">
+        <p14:creationId xmlns:p14="http://schemas.microsoft.com/office/powerpoint/2010/main" val="1877619269"/>
+      </p:ext>
+    </p:extLst>
+  </p:cSld>
+  <p:clrMapOvr>
+    <a:masterClrMapping/>
+  </p:clrMapOvr>
+</p:sld>
+</file>
+
+<file path=ppt/slides/slide28.xml><?xml version="1.0" encoding="utf-8"?>
+<p:sld xmlns:a="http://schemas.openxmlformats.org/drawingml/2006/main" xmlns:r="http://schemas.openxmlformats.org/officeDocument/2006/relationships" xmlns:p="http://schemas.openxmlformats.org/presentationml/2006/main">
+  <p:cSld>
+    <p:spTree>
+      <p:nvGrpSpPr>
+        <p:cNvPr id="1" name=""/>
+        <p:cNvGrpSpPr/>
+        <p:nvPr/>
+      </p:nvGrpSpPr>
+      <p:grpSpPr>
+        <a:xfrm>
+          <a:off x="0" y="0"/>
+          <a:ext cx="0" cy="0"/>
+          <a:chOff x="0" y="0"/>
+          <a:chExt cx="0" cy="0"/>
+        </a:xfrm>
+      </p:grpSpPr>
+      <p:sp>
+        <p:nvSpPr>
+          <p:cNvPr id="3" name="Subtitle 2"/>
+          <p:cNvSpPr>
+            <a:spLocks noGrp="1"/>
+          </p:cNvSpPr>
+          <p:nvPr>
+            <p:ph type="subTitle" idx="1"/>
+          </p:nvPr>
+        </p:nvSpPr>
+        <p:spPr>
+          <a:xfrm>
+            <a:off x="323528" y="188640"/>
+            <a:ext cx="8640960" cy="6480720"/>
+          </a:xfrm>
+        </p:spPr>
+        <p:txBody>
+          <a:bodyPr>
+            <a:noAutofit/>
+          </a:bodyPr>
+          <a:lstStyle/>
+          <a:p>
+            <a:r>
+              <a:rPr lang="en-GB" sz="4000" dirty="0">
+                <a:solidFill>
+                  <a:schemeClr val="bg1"/>
+                </a:solidFill>
+              </a:rPr>
+              <a:t>Lord I come to You</a:t>
+            </a:r>
+          </a:p>
+          <a:p>
+            <a:r>
+              <a:rPr lang="en-GB" sz="4000" dirty="0">
+                <a:solidFill>
+                  <a:schemeClr val="bg1"/>
+                </a:solidFill>
+              </a:rPr>
+              <a:t>Let my heart be changed renewed</a:t>
+            </a:r>
+          </a:p>
+          <a:p>
+            <a:r>
+              <a:rPr lang="en-GB" sz="4000" dirty="0">
+                <a:solidFill>
+                  <a:schemeClr val="bg1"/>
+                </a:solidFill>
+              </a:rPr>
+              <a:t>Flowing from the grace</a:t>
+            </a:r>
+          </a:p>
+          <a:p>
+            <a:r>
+              <a:rPr lang="en-GB" sz="4000" dirty="0">
+                <a:solidFill>
+                  <a:schemeClr val="bg1"/>
+                </a:solidFill>
+              </a:rPr>
+              <a:t>That I found in You</a:t>
+            </a:r>
+          </a:p>
+          <a:p>
+            <a:r>
+              <a:rPr lang="en-GB" sz="4000" dirty="0">
+                <a:solidFill>
+                  <a:schemeClr val="bg1"/>
+                </a:solidFill>
+              </a:rPr>
+              <a:t>And Lord I've come to know</a:t>
+            </a:r>
+          </a:p>
+          <a:p>
+            <a:r>
+              <a:rPr lang="en-GB" sz="4000" dirty="0">
+                <a:solidFill>
+                  <a:schemeClr val="bg1"/>
+                </a:solidFill>
+              </a:rPr>
+              <a:t>The weaknesses I see in me</a:t>
+            </a:r>
+          </a:p>
+          <a:p>
+            <a:r>
+              <a:rPr lang="en-GB" sz="4000" dirty="0">
+                <a:solidFill>
+                  <a:schemeClr val="bg1"/>
+                </a:solidFill>
+              </a:rPr>
+              <a:t>Will be stripped away</a:t>
+            </a:r>
+          </a:p>
+          <a:p>
+            <a:r>
+              <a:rPr lang="en-GB" sz="4000" dirty="0">
+                <a:solidFill>
+                  <a:schemeClr val="bg1"/>
+                </a:solidFill>
+              </a:rPr>
+              <a:t>By the </a:t>
+            </a:r>
+            <a:r>
+              <a:rPr lang="en-GB" sz="4000" dirty="0" err="1">
+                <a:solidFill>
+                  <a:schemeClr val="bg1"/>
+                </a:solidFill>
+              </a:rPr>
+              <a:t>pow'r</a:t>
+            </a:r>
+            <a:r>
+              <a:rPr lang="en-GB" sz="4000" dirty="0">
+                <a:solidFill>
+                  <a:schemeClr val="bg1"/>
+                </a:solidFill>
+              </a:rPr>
+              <a:t> of Your love</a:t>
+            </a:r>
+          </a:p>
+        </p:txBody>
+      </p:sp>
+      <p:sp>
+        <p:nvSpPr>
+          <p:cNvPr id="4" name="TextBox 3"/>
+          <p:cNvSpPr txBox="1"/>
+          <p:nvPr/>
+        </p:nvSpPr>
+        <p:spPr>
+          <a:xfrm>
+            <a:off x="8529729" y="0"/>
+            <a:ext cx="628698" cy="461665"/>
+          </a:xfrm>
+          <a:prstGeom prst="rect">
+            <a:avLst/>
+          </a:prstGeom>
+          <a:noFill/>
+        </p:spPr>
+        <p:txBody>
+          <a:bodyPr wrap="none" rtlCol="0">
+            <a:spAutoFit/>
+          </a:bodyPr>
+          <a:lstStyle/>
+          <a:p>
+            <a:r>
+              <a:rPr lang="en-GB" sz="2400" b="1" dirty="0">
+                <a:solidFill>
+                  <a:schemeClr val="bg1"/>
+                </a:solidFill>
+              </a:rPr>
+              <a:t>1/3</a:t>
+            </a:r>
+          </a:p>
+        </p:txBody>
+      </p:sp>
+    </p:spTree>
+    <p:extLst>
+      <p:ext uri="{BB962C8B-B14F-4D97-AF65-F5344CB8AC3E}">
+        <p14:creationId xmlns:p14="http://schemas.microsoft.com/office/powerpoint/2010/main" val="3194251093"/>
+      </p:ext>
+    </p:extLst>
+  </p:cSld>
+  <p:clrMapOvr>
+    <a:masterClrMapping/>
+  </p:clrMapOvr>
+</p:sld>
+</file>
+
+<file path=ppt/slides/slide29.xml><?xml version="1.0" encoding="utf-8"?>
+<p:sld xmlns:a="http://schemas.openxmlformats.org/drawingml/2006/main" xmlns:r="http://schemas.openxmlformats.org/officeDocument/2006/relationships" xmlns:p="http://schemas.openxmlformats.org/presentationml/2006/main">
+  <p:cSld>
+    <p:spTree>
+      <p:nvGrpSpPr>
+        <p:cNvPr id="1" name=""/>
+        <p:cNvGrpSpPr/>
+        <p:nvPr/>
+      </p:nvGrpSpPr>
+      <p:grpSpPr>
+        <a:xfrm>
+          <a:off x="0" y="0"/>
+          <a:ext cx="0" cy="0"/>
+          <a:chOff x="0" y="0"/>
+          <a:chExt cx="0" cy="0"/>
+        </a:xfrm>
+      </p:grpSpPr>
+      <p:sp>
+        <p:nvSpPr>
+          <p:cNvPr id="3" name="Subtitle 2"/>
+          <p:cNvSpPr>
+            <a:spLocks noGrp="1"/>
+          </p:cNvSpPr>
+          <p:nvPr>
+            <p:ph type="subTitle" idx="1"/>
+          </p:nvPr>
+        </p:nvSpPr>
+        <p:spPr>
+          <a:xfrm>
+            <a:off x="323528" y="188640"/>
+            <a:ext cx="8640960" cy="6480720"/>
+          </a:xfrm>
+        </p:spPr>
+        <p:txBody>
+          <a:bodyPr>
+            <a:noAutofit/>
+          </a:bodyPr>
+          <a:lstStyle/>
+          <a:p>
+            <a:r>
+              <a:rPr lang="en-GB" sz="4000" dirty="0">
+                <a:solidFill>
+                  <a:schemeClr val="bg1"/>
+                </a:solidFill>
+              </a:rPr>
+              <a:t>Hold me close</a:t>
+            </a:r>
+          </a:p>
+          <a:p>
+            <a:r>
+              <a:rPr lang="en-GB" sz="4000" dirty="0">
+                <a:solidFill>
+                  <a:schemeClr val="bg1"/>
+                </a:solidFill>
+              </a:rPr>
+              <a:t>Let Your love surround me</a:t>
+            </a:r>
+          </a:p>
+          <a:p>
+            <a:r>
+              <a:rPr lang="en-GB" sz="4000" dirty="0">
+                <a:solidFill>
+                  <a:schemeClr val="bg1"/>
+                </a:solidFill>
+              </a:rPr>
+              <a:t>Bring me near</a:t>
+            </a:r>
+          </a:p>
+          <a:p>
+            <a:r>
+              <a:rPr lang="en-GB" sz="4000" dirty="0">
+                <a:solidFill>
+                  <a:schemeClr val="bg1"/>
+                </a:solidFill>
+              </a:rPr>
+              <a:t>Draw me to Your side</a:t>
+            </a:r>
+          </a:p>
+          <a:p>
+            <a:r>
+              <a:rPr lang="en-GB" sz="4000" dirty="0">
+                <a:solidFill>
+                  <a:schemeClr val="bg1"/>
+                </a:solidFill>
+              </a:rPr>
+              <a:t>And as I wait</a:t>
+            </a:r>
+          </a:p>
+          <a:p>
+            <a:r>
+              <a:rPr lang="en-GB" sz="4000" dirty="0">
+                <a:solidFill>
+                  <a:schemeClr val="bg1"/>
+                </a:solidFill>
+              </a:rPr>
+              <a:t>I'll rise up like the eagle</a:t>
+            </a:r>
+          </a:p>
+          <a:p>
+            <a:r>
+              <a:rPr lang="en-GB" sz="4000" dirty="0">
+                <a:solidFill>
+                  <a:schemeClr val="bg1"/>
+                </a:solidFill>
+              </a:rPr>
+              <a:t>And I will soar with You</a:t>
+            </a:r>
+          </a:p>
+          <a:p>
+            <a:r>
+              <a:rPr lang="en-GB" sz="4000" dirty="0">
+                <a:solidFill>
+                  <a:schemeClr val="bg1"/>
+                </a:solidFill>
+              </a:rPr>
+              <a:t>Your Spirit leads me on</a:t>
+            </a:r>
+          </a:p>
+          <a:p>
+            <a:r>
+              <a:rPr lang="en-GB" sz="4000" dirty="0">
+                <a:solidFill>
+                  <a:schemeClr val="bg1"/>
+                </a:solidFill>
+              </a:rPr>
+              <a:t>In the </a:t>
+            </a:r>
+            <a:r>
+              <a:rPr lang="en-GB" sz="4000" dirty="0" err="1">
+                <a:solidFill>
+                  <a:schemeClr val="bg1"/>
+                </a:solidFill>
+              </a:rPr>
+              <a:t>pow'r</a:t>
+            </a:r>
+            <a:r>
+              <a:rPr lang="en-GB" sz="4000" dirty="0">
+                <a:solidFill>
+                  <a:schemeClr val="bg1"/>
+                </a:solidFill>
+              </a:rPr>
+              <a:t> of Your love</a:t>
+            </a:r>
+          </a:p>
+        </p:txBody>
+      </p:sp>
+      <p:sp>
+        <p:nvSpPr>
+          <p:cNvPr id="4" name="TextBox 3"/>
+          <p:cNvSpPr txBox="1"/>
+          <p:nvPr/>
+        </p:nvSpPr>
+        <p:spPr>
+          <a:xfrm>
+            <a:off x="8529729" y="0"/>
+            <a:ext cx="628698" cy="461665"/>
+          </a:xfrm>
+          <a:prstGeom prst="rect">
+            <a:avLst/>
+          </a:prstGeom>
+          <a:noFill/>
+        </p:spPr>
+        <p:txBody>
+          <a:bodyPr wrap="none" rtlCol="0">
+            <a:spAutoFit/>
+          </a:bodyPr>
+          <a:lstStyle/>
+          <a:p>
+            <a:r>
+              <a:rPr lang="en-GB" sz="2400" b="1" dirty="0">
+                <a:solidFill>
+                  <a:schemeClr val="bg1"/>
+                </a:solidFill>
+              </a:rPr>
+              <a:t>2/3</a:t>
+            </a:r>
+          </a:p>
+        </p:txBody>
+      </p:sp>
+    </p:spTree>
+    <p:extLst>
+      <p:ext uri="{BB962C8B-B14F-4D97-AF65-F5344CB8AC3E}">
+        <p14:creationId xmlns:p14="http://schemas.microsoft.com/office/powerpoint/2010/main" val="2124290161"/>
+      </p:ext>
+    </p:extLst>
+  </p:cSld>
+  <p:clrMapOvr>
+    <a:masterClrMapping/>
+  </p:clrMapOvr>
+</p:sld>
+</file>
+
+<file path=ppt/slides/slide3.xml><?xml version="1.0" encoding="utf-8"?>
+<p:sld xmlns:a="http://schemas.openxmlformats.org/drawingml/2006/main" xmlns:r="http://schemas.openxmlformats.org/officeDocument/2006/relationships" xmlns:p="http://schemas.openxmlformats.org/presentationml/2006/main">
+  <p:cSld>
+    <p:spTree>
+      <p:nvGrpSpPr>
+        <p:cNvPr id="1" name=""/>
+        <p:cNvGrpSpPr/>
+        <p:nvPr/>
+      </p:nvGrpSpPr>
+      <p:grpSpPr>
+        <a:xfrm>
+          <a:off x="0" y="0"/>
+          <a:ext cx="0" cy="0"/>
+          <a:chOff x="0" y="0"/>
+          <a:chExt cx="0" cy="0"/>
+        </a:xfrm>
+      </p:grpSpPr>
+      <p:sp>
+        <p:nvSpPr>
+          <p:cNvPr id="3" name="Subtitle 2"/>
+          <p:cNvSpPr>
+            <a:spLocks noGrp="1"/>
+          </p:cNvSpPr>
+          <p:nvPr>
+            <p:ph type="subTitle" idx="1"/>
+          </p:nvPr>
+        </p:nvSpPr>
+        <p:spPr>
+          <a:xfrm>
+            <a:off x="323528" y="188640"/>
+            <a:ext cx="8640960" cy="6480720"/>
+          </a:xfrm>
+        </p:spPr>
+        <p:txBody>
+          <a:bodyPr>
+            <a:noAutofit/>
+          </a:bodyPr>
+          <a:lstStyle/>
+          <a:p>
+            <a:r>
+              <a:rPr lang="en-GB" sz="4600" dirty="0">
+                <a:solidFill>
+                  <a:schemeClr val="bg1"/>
+                </a:solidFill>
+              </a:rPr>
+              <a:t>I reach up high I touch the ground</a:t>
+            </a:r>
+          </a:p>
+          <a:p>
+            <a:r>
+              <a:rPr lang="en-GB" sz="4600" dirty="0">
+                <a:solidFill>
+                  <a:schemeClr val="bg1"/>
+                </a:solidFill>
+              </a:rPr>
+              <a:t>I stomp my feet and turn around</a:t>
+            </a:r>
+          </a:p>
+          <a:p>
+            <a:r>
+              <a:rPr lang="en-GB" sz="4600" dirty="0">
+                <a:solidFill>
+                  <a:schemeClr val="bg1"/>
+                </a:solidFill>
+              </a:rPr>
+              <a:t>I've got to (woo woo) </a:t>
+            </a:r>
+            <a:br>
+              <a:rPr lang="en-GB" sz="4600" dirty="0">
+                <a:solidFill>
+                  <a:schemeClr val="bg1"/>
+                </a:solidFill>
+              </a:rPr>
+            </a:br>
+            <a:r>
+              <a:rPr lang="en-GB" sz="4600" dirty="0">
+                <a:solidFill>
+                  <a:schemeClr val="bg1"/>
+                </a:solidFill>
+              </a:rPr>
+              <a:t>Praise the Lord</a:t>
+            </a:r>
+          </a:p>
+          <a:p>
+            <a:r>
+              <a:rPr lang="en-GB" sz="4600" dirty="0">
+                <a:solidFill>
+                  <a:schemeClr val="bg1"/>
+                </a:solidFill>
+              </a:rPr>
+              <a:t>I jump and dance with all my might</a:t>
+            </a:r>
+          </a:p>
+          <a:p>
+            <a:r>
+              <a:rPr lang="en-GB" sz="4600" dirty="0">
+                <a:solidFill>
+                  <a:schemeClr val="bg1"/>
+                </a:solidFill>
+              </a:rPr>
+              <a:t>I might look funny but that's alright</a:t>
+            </a:r>
+          </a:p>
+          <a:p>
+            <a:r>
+              <a:rPr lang="en-GB" sz="4600" dirty="0">
+                <a:solidFill>
+                  <a:schemeClr val="bg1"/>
+                </a:solidFill>
+              </a:rPr>
+              <a:t>I've got to (woo woo) </a:t>
+            </a:r>
+          </a:p>
+          <a:p>
+            <a:r>
+              <a:rPr lang="en-GB" sz="4600" dirty="0">
+                <a:solidFill>
+                  <a:schemeClr val="bg1"/>
+                </a:solidFill>
+              </a:rPr>
+              <a:t>Praise my Lord</a:t>
+            </a:r>
+          </a:p>
+        </p:txBody>
+      </p:sp>
+      <p:sp>
+        <p:nvSpPr>
+          <p:cNvPr id="4" name="TextBox 3"/>
+          <p:cNvSpPr txBox="1"/>
+          <p:nvPr/>
+        </p:nvSpPr>
+        <p:spPr>
+          <a:xfrm>
+            <a:off x="8529729" y="0"/>
+            <a:ext cx="628698" cy="461665"/>
+          </a:xfrm>
+          <a:prstGeom prst="rect">
+            <a:avLst/>
+          </a:prstGeom>
+          <a:noFill/>
+        </p:spPr>
+        <p:txBody>
+          <a:bodyPr wrap="none" rtlCol="0">
+            <a:spAutoFit/>
+          </a:bodyPr>
+          <a:lstStyle/>
+          <a:p>
+            <a:r>
+              <a:rPr lang="en-GB" sz="2400" b="1" dirty="0">
+                <a:solidFill>
+                  <a:schemeClr val="bg1"/>
+                </a:solidFill>
+              </a:rPr>
+              <a:t>1/3</a:t>
+            </a:r>
+          </a:p>
+        </p:txBody>
+      </p:sp>
+    </p:spTree>
+    <p:extLst>
+      <p:ext uri="{BB962C8B-B14F-4D97-AF65-F5344CB8AC3E}">
+        <p14:creationId xmlns:p14="http://schemas.microsoft.com/office/powerpoint/2010/main" val="348632634"/>
+      </p:ext>
+    </p:extLst>
+  </p:cSld>
+  <p:clrMapOvr>
+    <a:masterClrMapping/>
+  </p:clrMapOvr>
+</p:sld>
+</file>
+
+<file path=ppt/slides/slide30.xml><?xml version="1.0" encoding="utf-8"?>
+<p:sld xmlns:a="http://schemas.openxmlformats.org/drawingml/2006/main" xmlns:r="http://schemas.openxmlformats.org/officeDocument/2006/relationships" xmlns:p="http://schemas.openxmlformats.org/presentationml/2006/main">
+  <p:cSld>
+    <p:spTree>
+      <p:nvGrpSpPr>
+        <p:cNvPr id="1" name=""/>
+        <p:cNvGrpSpPr/>
+        <p:nvPr/>
+      </p:nvGrpSpPr>
+      <p:grpSpPr>
+        <a:xfrm>
+          <a:off x="0" y="0"/>
+          <a:ext cx="0" cy="0"/>
+          <a:chOff x="0" y="0"/>
+          <a:chExt cx="0" cy="0"/>
+        </a:xfrm>
+      </p:grpSpPr>
+      <p:sp>
+        <p:nvSpPr>
+          <p:cNvPr id="3" name="Subtitle 2"/>
+          <p:cNvSpPr>
+            <a:spLocks noGrp="1"/>
+          </p:cNvSpPr>
+          <p:nvPr>
+            <p:ph type="subTitle" idx="1"/>
+          </p:nvPr>
+        </p:nvSpPr>
+        <p:spPr>
+          <a:xfrm>
+            <a:off x="323528" y="188640"/>
+            <a:ext cx="8640960" cy="6480720"/>
+          </a:xfrm>
+        </p:spPr>
+        <p:txBody>
+          <a:bodyPr>
+            <a:noAutofit/>
+          </a:bodyPr>
+          <a:lstStyle/>
+          <a:p>
+            <a:r>
+              <a:rPr lang="en-GB" sz="4000" dirty="0">
+                <a:solidFill>
+                  <a:schemeClr val="bg1"/>
+                </a:solidFill>
+              </a:rPr>
+              <a:t>Lord unveil my eyes</a:t>
+            </a:r>
+          </a:p>
+          <a:p>
+            <a:r>
+              <a:rPr lang="en-GB" sz="4000" dirty="0">
+                <a:solidFill>
+                  <a:schemeClr val="bg1"/>
+                </a:solidFill>
+              </a:rPr>
+              <a:t>Let me see You face to face</a:t>
+            </a:r>
+          </a:p>
+          <a:p>
+            <a:r>
+              <a:rPr lang="en-GB" sz="4000" dirty="0">
+                <a:solidFill>
+                  <a:schemeClr val="bg1"/>
+                </a:solidFill>
+              </a:rPr>
+              <a:t>The knowledge of Your love</a:t>
+            </a:r>
+          </a:p>
+          <a:p>
+            <a:r>
+              <a:rPr lang="en-GB" sz="4000" dirty="0">
+                <a:solidFill>
+                  <a:schemeClr val="bg1"/>
+                </a:solidFill>
+              </a:rPr>
+              <a:t>As You live in me</a:t>
+            </a:r>
+          </a:p>
+          <a:p>
+            <a:r>
+              <a:rPr lang="en-GB" sz="4000" dirty="0">
+                <a:solidFill>
+                  <a:schemeClr val="bg1"/>
+                </a:solidFill>
+              </a:rPr>
+              <a:t>Lord renew my mind</a:t>
+            </a:r>
+          </a:p>
+          <a:p>
+            <a:r>
+              <a:rPr lang="en-GB" sz="4000" dirty="0">
+                <a:solidFill>
+                  <a:schemeClr val="bg1"/>
+                </a:solidFill>
+              </a:rPr>
+              <a:t>As Your will unfolds in my life</a:t>
+            </a:r>
+          </a:p>
+          <a:p>
+            <a:r>
+              <a:rPr lang="en-GB" sz="4000" dirty="0">
+                <a:solidFill>
+                  <a:schemeClr val="bg1"/>
+                </a:solidFill>
+              </a:rPr>
+              <a:t>In living </a:t>
+            </a:r>
+            <a:r>
+              <a:rPr lang="en-GB" sz="4000" dirty="0" err="1">
+                <a:solidFill>
+                  <a:schemeClr val="bg1"/>
+                </a:solidFill>
+              </a:rPr>
+              <a:t>ev'ry</a:t>
+            </a:r>
+            <a:r>
+              <a:rPr lang="en-GB" sz="4000" dirty="0">
+                <a:solidFill>
+                  <a:schemeClr val="bg1"/>
+                </a:solidFill>
+              </a:rPr>
+              <a:t> day</a:t>
+            </a:r>
+          </a:p>
+          <a:p>
+            <a:r>
+              <a:rPr lang="en-GB" sz="4000" dirty="0">
+                <a:solidFill>
+                  <a:schemeClr val="bg1"/>
+                </a:solidFill>
+              </a:rPr>
+              <a:t>By the </a:t>
+            </a:r>
+            <a:r>
+              <a:rPr lang="en-GB" sz="4000" dirty="0" err="1">
+                <a:solidFill>
+                  <a:schemeClr val="bg1"/>
+                </a:solidFill>
+              </a:rPr>
+              <a:t>pow'r</a:t>
+            </a:r>
+            <a:r>
+              <a:rPr lang="en-GB" sz="4000" dirty="0">
+                <a:solidFill>
+                  <a:schemeClr val="bg1"/>
+                </a:solidFill>
+              </a:rPr>
+              <a:t> of Your love</a:t>
+            </a:r>
+          </a:p>
+        </p:txBody>
+      </p:sp>
+      <p:sp>
+        <p:nvSpPr>
+          <p:cNvPr id="4" name="TextBox 3"/>
+          <p:cNvSpPr txBox="1"/>
+          <p:nvPr/>
+        </p:nvSpPr>
+        <p:spPr>
+          <a:xfrm>
+            <a:off x="8529729" y="0"/>
+            <a:ext cx="628698" cy="461665"/>
+          </a:xfrm>
+          <a:prstGeom prst="rect">
+            <a:avLst/>
+          </a:prstGeom>
+          <a:noFill/>
+        </p:spPr>
+        <p:txBody>
+          <a:bodyPr wrap="none" rtlCol="0">
+            <a:spAutoFit/>
+          </a:bodyPr>
+          <a:lstStyle/>
+          <a:p>
+            <a:r>
+              <a:rPr lang="en-GB" sz="2400" b="1" dirty="0">
+                <a:solidFill>
+                  <a:schemeClr val="bg1"/>
+                </a:solidFill>
+              </a:rPr>
+              <a:t>2/3</a:t>
+            </a:r>
+          </a:p>
+        </p:txBody>
+      </p:sp>
+    </p:spTree>
+    <p:extLst>
+      <p:ext uri="{BB962C8B-B14F-4D97-AF65-F5344CB8AC3E}">
+        <p14:creationId xmlns:p14="http://schemas.microsoft.com/office/powerpoint/2010/main" val="514778560"/>
+      </p:ext>
+    </p:extLst>
+  </p:cSld>
+  <p:clrMapOvr>
+    <a:masterClrMapping/>
+  </p:clrMapOvr>
+</p:sld>
+</file>
+
+<file path=ppt/slides/slide31.xml><?xml version="1.0" encoding="utf-8"?>
+<p:sld xmlns:a="http://schemas.openxmlformats.org/drawingml/2006/main" xmlns:r="http://schemas.openxmlformats.org/officeDocument/2006/relationships" xmlns:p="http://schemas.openxmlformats.org/presentationml/2006/main">
+  <p:cSld>
+    <p:spTree>
+      <p:nvGrpSpPr>
+        <p:cNvPr id="1" name=""/>
+        <p:cNvGrpSpPr/>
+        <p:nvPr/>
+      </p:nvGrpSpPr>
+      <p:grpSpPr>
+        <a:xfrm>
+          <a:off x="0" y="0"/>
+          <a:ext cx="0" cy="0"/>
+          <a:chOff x="0" y="0"/>
+          <a:chExt cx="0" cy="0"/>
+        </a:xfrm>
+      </p:grpSpPr>
+      <p:sp>
+        <p:nvSpPr>
+          <p:cNvPr id="3" name="Subtitle 2"/>
+          <p:cNvSpPr>
+            <a:spLocks noGrp="1"/>
+          </p:cNvSpPr>
+          <p:nvPr>
+            <p:ph type="subTitle" idx="1"/>
+          </p:nvPr>
+        </p:nvSpPr>
+        <p:spPr>
+          <a:xfrm>
+            <a:off x="323528" y="188640"/>
+            <a:ext cx="8640960" cy="6480720"/>
+          </a:xfrm>
+        </p:spPr>
+        <p:txBody>
+          <a:bodyPr>
+            <a:noAutofit/>
+          </a:bodyPr>
+          <a:lstStyle/>
+          <a:p>
+            <a:endParaRPr lang="en-GB" sz="5400" dirty="0">
+              <a:solidFill>
+                <a:schemeClr val="bg1"/>
+              </a:solidFill>
+            </a:endParaRPr>
+          </a:p>
+          <a:p>
+            <a:r>
+              <a:rPr lang="en-GB" sz="6600" b="0" i="0" dirty="0">
+                <a:solidFill>
+                  <a:srgbClr val="00A3E0"/>
+                </a:solidFill>
+                <a:effectLst/>
+                <a:latin typeface="akagi_probook"/>
+              </a:rPr>
+              <a:t>I Love You Lord</a:t>
+            </a:r>
+            <a:br>
+              <a:rPr lang="en-GB" sz="6600" b="0" i="0" dirty="0">
+                <a:solidFill>
+                  <a:srgbClr val="00A3E0"/>
+                </a:solidFill>
+                <a:effectLst/>
+                <a:latin typeface="akagi_probook"/>
+              </a:rPr>
+            </a:br>
+            <a:r>
+              <a:rPr lang="en-GB" sz="6600" b="0" i="0" dirty="0">
+                <a:solidFill>
+                  <a:srgbClr val="00A3E0"/>
+                </a:solidFill>
+                <a:effectLst/>
+                <a:latin typeface="akagi_probook"/>
+              </a:rPr>
+              <a:t>(To My King)</a:t>
+            </a:r>
+          </a:p>
+          <a:p>
+            <a:br>
+              <a:rPr lang="en-GB" sz="1200" dirty="0">
+                <a:solidFill>
+                  <a:schemeClr val="bg1"/>
+                </a:solidFill>
+              </a:rPr>
+            </a:br>
+            <a:r>
+              <a:rPr lang="en-GB" sz="1200" dirty="0" err="1">
+                <a:solidFill>
+                  <a:schemeClr val="bg1"/>
+                </a:solidFill>
+              </a:rPr>
+              <a:t>Gatherhouse</a:t>
+            </a:r>
+            <a:r>
+              <a:rPr lang="en-GB" sz="1200" dirty="0">
+                <a:solidFill>
+                  <a:schemeClr val="bg1"/>
+                </a:solidFill>
+              </a:rPr>
+              <a:t> Music, Ryan Kennedy, </a:t>
+            </a:r>
+            <a:r>
+              <a:rPr lang="en-GB" sz="1200" dirty="0" err="1">
+                <a:solidFill>
+                  <a:schemeClr val="bg1"/>
+                </a:solidFill>
+              </a:rPr>
+              <a:t>Durell</a:t>
+            </a:r>
+            <a:r>
+              <a:rPr lang="en-GB" sz="1200" dirty="0">
+                <a:solidFill>
+                  <a:schemeClr val="bg1"/>
+                </a:solidFill>
+              </a:rPr>
+              <a:t> Comedy</a:t>
+            </a:r>
+          </a:p>
+        </p:txBody>
+      </p:sp>
+    </p:spTree>
+    <p:extLst>
+      <p:ext uri="{BB962C8B-B14F-4D97-AF65-F5344CB8AC3E}">
+        <p14:creationId xmlns:p14="http://schemas.microsoft.com/office/powerpoint/2010/main" val="2200357616"/>
+      </p:ext>
+    </p:extLst>
+  </p:cSld>
+  <p:clrMapOvr>
+    <a:masterClrMapping/>
+  </p:clrMapOvr>
+</p:sld>
+</file>
+
+<file path=ppt/slides/slide32.xml><?xml version="1.0" encoding="utf-8"?>
+<p:sld xmlns:a="http://schemas.openxmlformats.org/drawingml/2006/main" xmlns:r="http://schemas.openxmlformats.org/officeDocument/2006/relationships" xmlns:p="http://schemas.openxmlformats.org/presentationml/2006/main">
+  <p:cSld>
+    <p:spTree>
+      <p:nvGrpSpPr>
+        <p:cNvPr id="1" name=""/>
+        <p:cNvGrpSpPr/>
+        <p:nvPr/>
+      </p:nvGrpSpPr>
+      <p:grpSpPr>
+        <a:xfrm>
+          <a:off x="0" y="0"/>
+          <a:ext cx="0" cy="0"/>
+          <a:chOff x="0" y="0"/>
+          <a:chExt cx="0" cy="0"/>
+        </a:xfrm>
+      </p:grpSpPr>
+      <p:sp>
+        <p:nvSpPr>
+          <p:cNvPr id="3" name="Subtitle 2"/>
+          <p:cNvSpPr>
+            <a:spLocks noGrp="1"/>
+          </p:cNvSpPr>
+          <p:nvPr>
+            <p:ph type="subTitle" idx="1"/>
+          </p:nvPr>
+        </p:nvSpPr>
+        <p:spPr>
+          <a:xfrm>
+            <a:off x="323528" y="188640"/>
+            <a:ext cx="8640960" cy="6480720"/>
+          </a:xfrm>
+        </p:spPr>
+        <p:txBody>
+          <a:bodyPr>
+            <a:noAutofit/>
+          </a:bodyPr>
+          <a:lstStyle/>
+          <a:p>
+            <a:r>
+              <a:rPr lang="en-GB" sz="4400" dirty="0">
+                <a:solidFill>
+                  <a:schemeClr val="bg1"/>
+                </a:solidFill>
+              </a:rPr>
+              <a:t>You invite me</a:t>
+            </a:r>
+          </a:p>
+          <a:p>
+            <a:r>
+              <a:rPr lang="en-GB" sz="4400" dirty="0">
+                <a:solidFill>
+                  <a:schemeClr val="bg1"/>
+                </a:solidFill>
+              </a:rPr>
+              <a:t>To sit down at Your table</a:t>
+            </a:r>
+          </a:p>
+          <a:p>
+            <a:r>
+              <a:rPr lang="en-GB" sz="4400" dirty="0">
+                <a:solidFill>
+                  <a:schemeClr val="bg1"/>
+                </a:solidFill>
+              </a:rPr>
+              <a:t>Where I can taste and I can see</a:t>
+            </a:r>
+          </a:p>
+          <a:p>
+            <a:r>
+              <a:rPr lang="en-GB" sz="4400" dirty="0">
+                <a:solidFill>
+                  <a:schemeClr val="bg1"/>
+                </a:solidFill>
+              </a:rPr>
+              <a:t>That You are good</a:t>
+            </a:r>
+          </a:p>
+          <a:p>
+            <a:r>
+              <a:rPr lang="en-GB" sz="4400" dirty="0">
+                <a:solidFill>
+                  <a:schemeClr val="bg1"/>
+                </a:solidFill>
+              </a:rPr>
+              <a:t>and You are always faithful</a:t>
+            </a:r>
+          </a:p>
+          <a:p>
+            <a:r>
+              <a:rPr lang="en-GB" sz="4400" dirty="0">
+                <a:solidFill>
+                  <a:schemeClr val="bg1"/>
+                </a:solidFill>
+              </a:rPr>
+              <a:t>To welcome me</a:t>
+            </a:r>
+          </a:p>
+          <a:p>
+            <a:r>
+              <a:rPr lang="en-GB" sz="4400" dirty="0">
+                <a:solidFill>
+                  <a:schemeClr val="bg1"/>
+                </a:solidFill>
+              </a:rPr>
+              <a:t>The least of these</a:t>
+            </a:r>
+          </a:p>
+        </p:txBody>
+      </p:sp>
+      <p:sp>
+        <p:nvSpPr>
+          <p:cNvPr id="4" name="TextBox 3"/>
+          <p:cNvSpPr txBox="1"/>
+          <p:nvPr/>
+        </p:nvSpPr>
+        <p:spPr>
+          <a:xfrm>
+            <a:off x="8529729" y="0"/>
+            <a:ext cx="628698" cy="461665"/>
+          </a:xfrm>
+          <a:prstGeom prst="rect">
+            <a:avLst/>
+          </a:prstGeom>
+          <a:noFill/>
+        </p:spPr>
+        <p:txBody>
+          <a:bodyPr wrap="none" rtlCol="0">
+            <a:spAutoFit/>
+          </a:bodyPr>
+          <a:lstStyle/>
+          <a:p>
+            <a:r>
+              <a:rPr lang="en-GB" sz="2400" b="1" dirty="0">
+                <a:solidFill>
+                  <a:schemeClr val="bg1"/>
+                </a:solidFill>
+              </a:rPr>
+              <a:t>1/6</a:t>
+            </a:r>
+          </a:p>
+        </p:txBody>
+      </p:sp>
+    </p:spTree>
+    <p:extLst>
+      <p:ext uri="{BB962C8B-B14F-4D97-AF65-F5344CB8AC3E}">
+        <p14:creationId xmlns:p14="http://schemas.microsoft.com/office/powerpoint/2010/main" val="2605066588"/>
+      </p:ext>
+    </p:extLst>
+  </p:cSld>
+  <p:clrMapOvr>
+    <a:masterClrMapping/>
+  </p:clrMapOvr>
+</p:sld>
+</file>
+
+<file path=ppt/slides/slide33.xml><?xml version="1.0" encoding="utf-8"?>
+<p:sld xmlns:a="http://schemas.openxmlformats.org/drawingml/2006/main" xmlns:r="http://schemas.openxmlformats.org/officeDocument/2006/relationships" xmlns:p="http://schemas.openxmlformats.org/presentationml/2006/main">
+  <p:cSld>
+    <p:spTree>
+      <p:nvGrpSpPr>
+        <p:cNvPr id="1" name=""/>
+        <p:cNvGrpSpPr/>
+        <p:nvPr/>
+      </p:nvGrpSpPr>
+      <p:grpSpPr>
+        <a:xfrm>
+          <a:off x="0" y="0"/>
+          <a:ext cx="0" cy="0"/>
+          <a:chOff x="0" y="0"/>
+          <a:chExt cx="0" cy="0"/>
+        </a:xfrm>
+      </p:grpSpPr>
+      <p:sp>
+        <p:nvSpPr>
+          <p:cNvPr id="3" name="Subtitle 2"/>
+          <p:cNvSpPr>
+            <a:spLocks noGrp="1"/>
+          </p:cNvSpPr>
+          <p:nvPr>
+            <p:ph type="subTitle" idx="1"/>
+          </p:nvPr>
+        </p:nvSpPr>
+        <p:spPr>
+          <a:xfrm>
+            <a:off x="323528" y="188640"/>
+            <a:ext cx="8640960" cy="6480720"/>
+          </a:xfrm>
+        </p:spPr>
+        <p:txBody>
+          <a:bodyPr>
+            <a:noAutofit/>
+          </a:bodyPr>
+          <a:lstStyle/>
+          <a:p>
+            <a:r>
+              <a:rPr lang="en-GB" sz="4400" dirty="0">
+                <a:solidFill>
+                  <a:schemeClr val="bg1"/>
+                </a:solidFill>
+              </a:rPr>
+              <a:t>You bring beauty out of the ashes</a:t>
+            </a:r>
+          </a:p>
+          <a:p>
+            <a:r>
+              <a:rPr lang="en-GB" sz="4400" dirty="0">
+                <a:solidFill>
+                  <a:schemeClr val="bg1"/>
+                </a:solidFill>
+              </a:rPr>
+              <a:t>To restore and to redeem</a:t>
+            </a:r>
+          </a:p>
+          <a:p>
+            <a:r>
+              <a:rPr lang="en-GB" sz="4400" dirty="0">
+                <a:solidFill>
+                  <a:schemeClr val="bg1"/>
+                </a:solidFill>
+              </a:rPr>
+              <a:t>So I have come to pour out all my oil</a:t>
+            </a:r>
+          </a:p>
+          <a:p>
+            <a:r>
+              <a:rPr lang="en-GB" sz="4400" dirty="0">
+                <a:solidFill>
+                  <a:schemeClr val="bg1"/>
+                </a:solidFill>
+              </a:rPr>
+              <a:t>All I have, this offering</a:t>
+            </a:r>
+          </a:p>
+        </p:txBody>
+      </p:sp>
+      <p:sp>
+        <p:nvSpPr>
+          <p:cNvPr id="4" name="TextBox 3"/>
+          <p:cNvSpPr txBox="1"/>
+          <p:nvPr/>
+        </p:nvSpPr>
+        <p:spPr>
+          <a:xfrm>
+            <a:off x="8529729" y="0"/>
+            <a:ext cx="628698" cy="461665"/>
+          </a:xfrm>
+          <a:prstGeom prst="rect">
+            <a:avLst/>
+          </a:prstGeom>
+          <a:noFill/>
+        </p:spPr>
+        <p:txBody>
+          <a:bodyPr wrap="none" rtlCol="0">
+            <a:spAutoFit/>
+          </a:bodyPr>
+          <a:lstStyle/>
+          <a:p>
+            <a:r>
+              <a:rPr lang="en-GB" sz="2400" b="1" dirty="0">
+                <a:solidFill>
+                  <a:schemeClr val="bg1"/>
+                </a:solidFill>
+              </a:rPr>
+              <a:t>2/6</a:t>
+            </a:r>
+          </a:p>
+        </p:txBody>
+      </p:sp>
+    </p:spTree>
+    <p:extLst>
+      <p:ext uri="{BB962C8B-B14F-4D97-AF65-F5344CB8AC3E}">
+        <p14:creationId xmlns:p14="http://schemas.microsoft.com/office/powerpoint/2010/main" val="4018131464"/>
+      </p:ext>
+    </p:extLst>
+  </p:cSld>
+  <p:clrMapOvr>
+    <a:masterClrMapping/>
+  </p:clrMapOvr>
+</p:sld>
+</file>
+
+<file path=ppt/slides/slide34.xml><?xml version="1.0" encoding="utf-8"?>
+<p:sld xmlns:a="http://schemas.openxmlformats.org/drawingml/2006/main" xmlns:r="http://schemas.openxmlformats.org/officeDocument/2006/relationships" xmlns:p="http://schemas.openxmlformats.org/presentationml/2006/main">
+  <p:cSld>
+    <p:spTree>
+      <p:nvGrpSpPr>
+        <p:cNvPr id="1" name=""/>
+        <p:cNvGrpSpPr/>
+        <p:nvPr/>
+      </p:nvGrpSpPr>
+      <p:grpSpPr>
+        <a:xfrm>
+          <a:off x="0" y="0"/>
+          <a:ext cx="0" cy="0"/>
+          <a:chOff x="0" y="0"/>
+          <a:chExt cx="0" cy="0"/>
+        </a:xfrm>
+      </p:grpSpPr>
+      <p:sp>
+        <p:nvSpPr>
+          <p:cNvPr id="3" name="Subtitle 2"/>
+          <p:cNvSpPr>
+            <a:spLocks noGrp="1"/>
+          </p:cNvSpPr>
+          <p:nvPr>
+            <p:ph type="subTitle" idx="1"/>
+          </p:nvPr>
+        </p:nvSpPr>
+        <p:spPr>
+          <a:xfrm>
+            <a:off x="323528" y="188640"/>
+            <a:ext cx="8640960" cy="6480720"/>
+          </a:xfrm>
+        </p:spPr>
+        <p:txBody>
+          <a:bodyPr>
+            <a:noAutofit/>
+          </a:bodyPr>
+          <a:lstStyle/>
+          <a:p>
+            <a:r>
+              <a:rPr lang="en-GB" sz="4400" dirty="0">
+                <a:solidFill>
+                  <a:schemeClr val="bg1"/>
+                </a:solidFill>
+              </a:rPr>
+              <a:t>I love You Lord, I love You</a:t>
+            </a:r>
+          </a:p>
+          <a:p>
+            <a:r>
+              <a:rPr lang="en-GB" sz="4400" dirty="0">
+                <a:solidFill>
+                  <a:schemeClr val="bg1"/>
+                </a:solidFill>
+              </a:rPr>
+              <a:t>And I want to sing a sweet </a:t>
+            </a:r>
+            <a:r>
+              <a:rPr lang="en-GB" sz="4400" dirty="0" err="1">
+                <a:solidFill>
+                  <a:schemeClr val="bg1"/>
+                </a:solidFill>
+              </a:rPr>
+              <a:t>sweet</a:t>
+            </a:r>
+            <a:r>
+              <a:rPr lang="en-GB" sz="4400" dirty="0">
+                <a:solidFill>
+                  <a:schemeClr val="bg1"/>
+                </a:solidFill>
+              </a:rPr>
+              <a:t> melody</a:t>
+            </a:r>
+          </a:p>
+          <a:p>
+            <a:r>
+              <a:rPr lang="en-GB" sz="4400" dirty="0">
+                <a:solidFill>
+                  <a:schemeClr val="bg1"/>
+                </a:solidFill>
+              </a:rPr>
+              <a:t>To tell You, that I love You</a:t>
+            </a:r>
+          </a:p>
+          <a:p>
+            <a:r>
+              <a:rPr lang="en-GB" sz="4400" dirty="0">
+                <a:solidFill>
+                  <a:schemeClr val="bg1"/>
+                </a:solidFill>
+              </a:rPr>
+              <a:t>Let it be a sweet </a:t>
+            </a:r>
+            <a:r>
+              <a:rPr lang="en-GB" sz="4400" dirty="0" err="1">
+                <a:solidFill>
+                  <a:schemeClr val="bg1"/>
+                </a:solidFill>
+              </a:rPr>
+              <a:t>sweet</a:t>
+            </a:r>
+            <a:r>
+              <a:rPr lang="en-GB" sz="4400" dirty="0">
+                <a:solidFill>
+                  <a:schemeClr val="bg1"/>
+                </a:solidFill>
+              </a:rPr>
+              <a:t> melody</a:t>
+            </a:r>
+          </a:p>
+          <a:p>
+            <a:r>
+              <a:rPr lang="en-GB" sz="4400" dirty="0">
+                <a:solidFill>
+                  <a:schemeClr val="bg1"/>
+                </a:solidFill>
+              </a:rPr>
+              <a:t>To my King</a:t>
+            </a:r>
+          </a:p>
+        </p:txBody>
+      </p:sp>
+      <p:sp>
+        <p:nvSpPr>
+          <p:cNvPr id="4" name="TextBox 3"/>
+          <p:cNvSpPr txBox="1"/>
+          <p:nvPr/>
+        </p:nvSpPr>
+        <p:spPr>
+          <a:xfrm>
+            <a:off x="8529729" y="0"/>
+            <a:ext cx="628698" cy="461665"/>
+          </a:xfrm>
+          <a:prstGeom prst="rect">
+            <a:avLst/>
+          </a:prstGeom>
+          <a:noFill/>
+        </p:spPr>
+        <p:txBody>
+          <a:bodyPr wrap="none" rtlCol="0">
+            <a:spAutoFit/>
+          </a:bodyPr>
+          <a:lstStyle/>
+          <a:p>
+            <a:r>
+              <a:rPr lang="en-GB" sz="2400" b="1" dirty="0">
+                <a:solidFill>
+                  <a:schemeClr val="bg1"/>
+                </a:solidFill>
+              </a:rPr>
+              <a:t>3/6</a:t>
+            </a:r>
+          </a:p>
+        </p:txBody>
+      </p:sp>
+    </p:spTree>
+    <p:extLst>
+      <p:ext uri="{BB962C8B-B14F-4D97-AF65-F5344CB8AC3E}">
+        <p14:creationId xmlns:p14="http://schemas.microsoft.com/office/powerpoint/2010/main" val="526720221"/>
+      </p:ext>
+    </p:extLst>
+  </p:cSld>
+  <p:clrMapOvr>
+    <a:masterClrMapping/>
+  </p:clrMapOvr>
+</p:sld>
+</file>
+
+<file path=ppt/slides/slide35.xml><?xml version="1.0" encoding="utf-8"?>
+<p:sld xmlns:a="http://schemas.openxmlformats.org/drawingml/2006/main" xmlns:r="http://schemas.openxmlformats.org/officeDocument/2006/relationships" xmlns:p="http://schemas.openxmlformats.org/presentationml/2006/main">
+  <p:cSld>
+    <p:spTree>
+      <p:nvGrpSpPr>
+        <p:cNvPr id="1" name=""/>
+        <p:cNvGrpSpPr/>
+        <p:nvPr/>
+      </p:nvGrpSpPr>
+      <p:grpSpPr>
+        <a:xfrm>
+          <a:off x="0" y="0"/>
+          <a:ext cx="0" cy="0"/>
+          <a:chOff x="0" y="0"/>
+          <a:chExt cx="0" cy="0"/>
+        </a:xfrm>
+      </p:grpSpPr>
+      <p:sp>
+        <p:nvSpPr>
+          <p:cNvPr id="3" name="Subtitle 2"/>
+          <p:cNvSpPr>
+            <a:spLocks noGrp="1"/>
+          </p:cNvSpPr>
+          <p:nvPr>
+            <p:ph type="subTitle" idx="1"/>
+          </p:nvPr>
+        </p:nvSpPr>
+        <p:spPr>
+          <a:xfrm>
+            <a:off x="323528" y="188640"/>
+            <a:ext cx="8640960" cy="6480720"/>
+          </a:xfrm>
+        </p:spPr>
+        <p:txBody>
+          <a:bodyPr>
+            <a:noAutofit/>
+          </a:bodyPr>
+          <a:lstStyle/>
+          <a:p>
+            <a:r>
+              <a:rPr lang="en-GB" sz="4400" dirty="0">
+                <a:solidFill>
+                  <a:schemeClr val="bg1"/>
+                </a:solidFill>
+              </a:rPr>
+              <a:t>You inhabit the praises of Your people</a:t>
+            </a:r>
+          </a:p>
+          <a:p>
+            <a:r>
+              <a:rPr lang="en-GB" sz="4400" dirty="0">
+                <a:solidFill>
+                  <a:schemeClr val="bg1"/>
+                </a:solidFill>
+              </a:rPr>
+              <a:t>So I know You're here, right now</a:t>
+            </a:r>
+          </a:p>
+          <a:p>
+            <a:r>
+              <a:rPr lang="en-GB" sz="4400" dirty="0">
+                <a:solidFill>
+                  <a:schemeClr val="bg1"/>
+                </a:solidFill>
+              </a:rPr>
+              <a:t>With Your Spirit stirring all around me</a:t>
+            </a:r>
+          </a:p>
+          <a:p>
+            <a:r>
+              <a:rPr lang="en-GB" sz="4400" dirty="0">
+                <a:solidFill>
+                  <a:schemeClr val="bg1"/>
+                </a:solidFill>
+              </a:rPr>
+              <a:t>Before Your glory, I bow</a:t>
+            </a:r>
+          </a:p>
+        </p:txBody>
+      </p:sp>
+      <p:sp>
+        <p:nvSpPr>
+          <p:cNvPr id="4" name="TextBox 3"/>
+          <p:cNvSpPr txBox="1"/>
+          <p:nvPr/>
+        </p:nvSpPr>
+        <p:spPr>
+          <a:xfrm>
+            <a:off x="8529729" y="0"/>
+            <a:ext cx="628698" cy="461665"/>
+          </a:xfrm>
+          <a:prstGeom prst="rect">
+            <a:avLst/>
+          </a:prstGeom>
+          <a:noFill/>
+        </p:spPr>
+        <p:txBody>
+          <a:bodyPr wrap="none" rtlCol="0">
+            <a:spAutoFit/>
+          </a:bodyPr>
+          <a:lstStyle/>
+          <a:p>
+            <a:r>
+              <a:rPr lang="en-GB" sz="2400" b="1" dirty="0">
+                <a:solidFill>
+                  <a:schemeClr val="bg1"/>
+                </a:solidFill>
+              </a:rPr>
+              <a:t>4/6</a:t>
+            </a:r>
+          </a:p>
+        </p:txBody>
+      </p:sp>
+    </p:spTree>
+    <p:extLst>
+      <p:ext uri="{BB962C8B-B14F-4D97-AF65-F5344CB8AC3E}">
+        <p14:creationId xmlns:p14="http://schemas.microsoft.com/office/powerpoint/2010/main" val="3730364892"/>
+      </p:ext>
+    </p:extLst>
+  </p:cSld>
+  <p:clrMapOvr>
+    <a:masterClrMapping/>
+  </p:clrMapOvr>
+</p:sld>
+</file>
+
+<file path=ppt/slides/slide36.xml><?xml version="1.0" encoding="utf-8"?>
+<p:sld xmlns:a="http://schemas.openxmlformats.org/drawingml/2006/main" xmlns:r="http://schemas.openxmlformats.org/officeDocument/2006/relationships" xmlns:p="http://schemas.openxmlformats.org/presentationml/2006/main">
+  <p:cSld>
+    <p:spTree>
+      <p:nvGrpSpPr>
+        <p:cNvPr id="1" name=""/>
+        <p:cNvGrpSpPr/>
+        <p:nvPr/>
+      </p:nvGrpSpPr>
+      <p:grpSpPr>
+        <a:xfrm>
+          <a:off x="0" y="0"/>
+          <a:ext cx="0" cy="0"/>
+          <a:chOff x="0" y="0"/>
+          <a:chExt cx="0" cy="0"/>
+        </a:xfrm>
+      </p:grpSpPr>
+      <p:sp>
+        <p:nvSpPr>
+          <p:cNvPr id="3" name="Subtitle 2"/>
+          <p:cNvSpPr>
+            <a:spLocks noGrp="1"/>
+          </p:cNvSpPr>
+          <p:nvPr>
+            <p:ph type="subTitle" idx="1"/>
+          </p:nvPr>
+        </p:nvSpPr>
+        <p:spPr>
+          <a:xfrm>
+            <a:off x="323528" y="188640"/>
+            <a:ext cx="8640960" cy="6480720"/>
+          </a:xfrm>
+        </p:spPr>
+        <p:txBody>
+          <a:bodyPr>
+            <a:noAutofit/>
+          </a:bodyPr>
+          <a:lstStyle/>
+          <a:p>
+            <a:r>
+              <a:rPr lang="en-GB" sz="4400" dirty="0">
+                <a:solidFill>
+                  <a:schemeClr val="bg1"/>
+                </a:solidFill>
+              </a:rPr>
+              <a:t>In my coming and my going</a:t>
+            </a:r>
+          </a:p>
+          <a:p>
+            <a:r>
+              <a:rPr lang="en-GB" sz="4400" dirty="0">
+                <a:solidFill>
+                  <a:schemeClr val="bg1"/>
+                </a:solidFill>
+              </a:rPr>
+              <a:t>I will praise You</a:t>
+            </a:r>
+          </a:p>
+          <a:p>
+            <a:r>
+              <a:rPr lang="en-GB" sz="4400" dirty="0">
+                <a:solidFill>
+                  <a:schemeClr val="bg1"/>
+                </a:solidFill>
+              </a:rPr>
+              <a:t>From the evening through the morning</a:t>
+            </a:r>
+          </a:p>
+          <a:p>
+            <a:r>
+              <a:rPr lang="en-GB" sz="4400" dirty="0">
+                <a:solidFill>
+                  <a:schemeClr val="bg1"/>
+                </a:solidFill>
+              </a:rPr>
+              <a:t>I will praise You</a:t>
+            </a:r>
+          </a:p>
+          <a:p>
+            <a:r>
+              <a:rPr lang="en-GB" sz="4400" dirty="0">
+                <a:solidFill>
+                  <a:schemeClr val="bg1"/>
+                </a:solidFill>
+              </a:rPr>
+              <a:t>When I rise and when I fall</a:t>
+            </a:r>
+          </a:p>
+          <a:p>
+            <a:r>
+              <a:rPr lang="en-GB" sz="4400" dirty="0">
+                <a:solidFill>
+                  <a:schemeClr val="bg1"/>
+                </a:solidFill>
+              </a:rPr>
+              <a:t>I will praise You through it all</a:t>
+            </a:r>
+          </a:p>
+          <a:p>
+            <a:r>
+              <a:rPr lang="en-GB" sz="4400" dirty="0">
+                <a:solidFill>
+                  <a:schemeClr val="bg1"/>
+                </a:solidFill>
+              </a:rPr>
+              <a:t>I will sing a love song to my King</a:t>
+            </a:r>
+          </a:p>
+        </p:txBody>
+      </p:sp>
+      <p:sp>
+        <p:nvSpPr>
+          <p:cNvPr id="4" name="TextBox 3"/>
+          <p:cNvSpPr txBox="1"/>
+          <p:nvPr/>
+        </p:nvSpPr>
+        <p:spPr>
+          <a:xfrm>
+            <a:off x="8529729" y="0"/>
+            <a:ext cx="628698" cy="461665"/>
+          </a:xfrm>
+          <a:prstGeom prst="rect">
+            <a:avLst/>
+          </a:prstGeom>
+          <a:noFill/>
+        </p:spPr>
+        <p:txBody>
+          <a:bodyPr wrap="none" rtlCol="0">
+            <a:spAutoFit/>
+          </a:bodyPr>
+          <a:lstStyle/>
+          <a:p>
+            <a:r>
+              <a:rPr lang="en-GB" sz="2400" b="1" dirty="0">
+                <a:solidFill>
+                  <a:schemeClr val="bg1"/>
+                </a:solidFill>
+              </a:rPr>
+              <a:t>5/6</a:t>
+            </a:r>
+          </a:p>
+        </p:txBody>
+      </p:sp>
+    </p:spTree>
+    <p:extLst>
+      <p:ext uri="{BB962C8B-B14F-4D97-AF65-F5344CB8AC3E}">
+        <p14:creationId xmlns:p14="http://schemas.microsoft.com/office/powerpoint/2010/main" val="2240323967"/>
+      </p:ext>
+    </p:extLst>
+  </p:cSld>
+  <p:clrMapOvr>
+    <a:masterClrMapping/>
+  </p:clrMapOvr>
+</p:sld>
+</file>
+
+<file path=ppt/slides/slide37.xml><?xml version="1.0" encoding="utf-8"?>
+<p:sld xmlns:a="http://schemas.openxmlformats.org/drawingml/2006/main" xmlns:r="http://schemas.openxmlformats.org/officeDocument/2006/relationships" xmlns:p="http://schemas.openxmlformats.org/presentationml/2006/main">
+  <p:cSld>
+    <p:spTree>
+      <p:nvGrpSpPr>
+        <p:cNvPr id="1" name=""/>
+        <p:cNvGrpSpPr/>
+        <p:nvPr/>
+      </p:nvGrpSpPr>
+      <p:grpSpPr>
+        <a:xfrm>
+          <a:off x="0" y="0"/>
+          <a:ext cx="0" cy="0"/>
+          <a:chOff x="0" y="0"/>
+          <a:chExt cx="0" cy="0"/>
+        </a:xfrm>
+      </p:grpSpPr>
+      <p:sp>
+        <p:nvSpPr>
+          <p:cNvPr id="3" name="Subtitle 2"/>
+          <p:cNvSpPr>
+            <a:spLocks noGrp="1"/>
+          </p:cNvSpPr>
+          <p:nvPr>
+            <p:ph type="subTitle" idx="1"/>
+          </p:nvPr>
+        </p:nvSpPr>
+        <p:spPr>
+          <a:xfrm>
+            <a:off x="323528" y="188640"/>
+            <a:ext cx="8640960" cy="6480720"/>
+          </a:xfrm>
+        </p:spPr>
+        <p:txBody>
+          <a:bodyPr>
+            <a:noAutofit/>
+          </a:bodyPr>
+          <a:lstStyle/>
+          <a:p>
+            <a:r>
+              <a:rPr lang="en-GB" sz="4400" dirty="0">
+                <a:solidFill>
+                  <a:schemeClr val="bg1"/>
+                </a:solidFill>
+              </a:rPr>
+              <a:t>When I'm lonely and I'm doubting</a:t>
+            </a:r>
+          </a:p>
+          <a:p>
+            <a:r>
+              <a:rPr lang="en-GB" sz="4400" dirty="0">
+                <a:solidFill>
+                  <a:schemeClr val="bg1"/>
+                </a:solidFill>
+              </a:rPr>
+              <a:t>I will praise You</a:t>
+            </a:r>
+          </a:p>
+          <a:p>
+            <a:r>
+              <a:rPr lang="en-GB" sz="4400" dirty="0">
+                <a:solidFill>
+                  <a:schemeClr val="bg1"/>
+                </a:solidFill>
+              </a:rPr>
+              <a:t>On the mountain when I'm shouting</a:t>
+            </a:r>
+          </a:p>
+          <a:p>
+            <a:r>
+              <a:rPr lang="en-GB" sz="4400" dirty="0">
+                <a:solidFill>
+                  <a:schemeClr val="bg1"/>
+                </a:solidFill>
+              </a:rPr>
+              <a:t>I will praise You</a:t>
+            </a:r>
+          </a:p>
+          <a:p>
+            <a:r>
+              <a:rPr lang="en-GB" sz="4400" dirty="0">
+                <a:solidFill>
+                  <a:schemeClr val="bg1"/>
+                </a:solidFill>
+              </a:rPr>
+              <a:t>When I rise and when I fall</a:t>
+            </a:r>
+          </a:p>
+          <a:p>
+            <a:r>
+              <a:rPr lang="en-GB" sz="4400" dirty="0">
+                <a:solidFill>
+                  <a:schemeClr val="bg1"/>
+                </a:solidFill>
+              </a:rPr>
+              <a:t>I will praise You through it all</a:t>
+            </a:r>
+          </a:p>
+          <a:p>
+            <a:r>
+              <a:rPr lang="en-GB" sz="4400" dirty="0">
+                <a:solidFill>
+                  <a:schemeClr val="bg1"/>
+                </a:solidFill>
+              </a:rPr>
+              <a:t>I will sing a love song to my King</a:t>
+            </a:r>
+          </a:p>
+        </p:txBody>
+      </p:sp>
+      <p:sp>
+        <p:nvSpPr>
+          <p:cNvPr id="4" name="TextBox 3"/>
+          <p:cNvSpPr txBox="1"/>
+          <p:nvPr/>
+        </p:nvSpPr>
+        <p:spPr>
+          <a:xfrm>
+            <a:off x="8529729" y="0"/>
+            <a:ext cx="628698" cy="461665"/>
+          </a:xfrm>
+          <a:prstGeom prst="rect">
+            <a:avLst/>
+          </a:prstGeom>
+          <a:noFill/>
+        </p:spPr>
+        <p:txBody>
+          <a:bodyPr wrap="none" rtlCol="0">
+            <a:spAutoFit/>
+          </a:bodyPr>
+          <a:lstStyle/>
+          <a:p>
+            <a:r>
+              <a:rPr lang="en-GB" sz="2400" b="1" dirty="0">
+                <a:solidFill>
+                  <a:schemeClr val="bg1"/>
+                </a:solidFill>
+              </a:rPr>
+              <a:t>6/6</a:t>
+            </a:r>
+          </a:p>
+        </p:txBody>
+      </p:sp>
+    </p:spTree>
+    <p:extLst>
+      <p:ext uri="{BB962C8B-B14F-4D97-AF65-F5344CB8AC3E}">
+        <p14:creationId xmlns:p14="http://schemas.microsoft.com/office/powerpoint/2010/main" val="3332153125"/>
       </p:ext>
     </p:extLst>
   </p:cSld>
